--- a/DsDotNet/src/UnitTest/UnitTest.Model/ImportOfficeExample/Sample/ls.pptx
+++ b/DsDotNet/src/UnitTest/UnitTest.Model/ImportOfficeExample/Sample/ls.pptx
@@ -5,13 +5,19 @@
     <p:sldMasterId id="2147483687" r:id="rId1"/>
   </p:sldMasterIdLst>
   <p:notesMasterIdLst>
-    <p:notesMasterId r:id="rId3"/>
+    <p:notesMasterId r:id="rId9"/>
   </p:notesMasterIdLst>
   <p:handoutMasterIdLst>
-    <p:handoutMasterId r:id="rId4"/>
+    <p:handoutMasterId r:id="rId10"/>
   </p:handoutMasterIdLst>
   <p:sldIdLst>
     <p:sldId id="614" r:id="rId2"/>
+    <p:sldId id="615" r:id="rId3"/>
+    <p:sldId id="617" r:id="rId4"/>
+    <p:sldId id="616" r:id="rId5"/>
+    <p:sldId id="619" r:id="rId6"/>
+    <p:sldId id="618" r:id="rId7"/>
+    <p:sldId id="620" r:id="rId8"/>
   </p:sldIdLst>
   <p:sldSz cx="12192000" cy="6858000"/>
   <p:notesSz cx="6797675" cy="9926638"/>
@@ -121,6 +127,59 @@
 </p:presentation>
 </file>
 
+<file path=ppt/revisionInfo.xml><?xml version="1.0" encoding="utf-8"?>
+<p1510:revInfo xmlns:a="http://schemas.openxmlformats.org/drawingml/2006/main" xmlns:r="http://schemas.openxmlformats.org/officeDocument/2006/relationships" xmlns:p1510="http://schemas.microsoft.com/office/powerpoint/2015/10/main">
+  <p1510:revLst>
+    <p1510:client id="{9C7A4D56-BAE9-4AF1-B2EA-490BD443D8BA}" v="1" dt="2023-09-06T17:16:15.809"/>
+  </p1510:revLst>
+</p1510:revInfo>
+</file>
+
+<file path=ppt/changesInfos/changesInfo1.xml><?xml version="1.0" encoding="utf-8"?>
+<pc:chgInfo xmlns:a="http://schemas.openxmlformats.org/drawingml/2006/main" xmlns:r="http://schemas.openxmlformats.org/officeDocument/2006/relationships" xmlns:ac="http://schemas.microsoft.com/office/drawing/2013/main/command" xmlns:pc="http://schemas.microsoft.com/office/powerpoint/2013/main/command">
+  <pc:docChgLst>
+    <pc:chgData name="안 승훈" userId="e6453ba8-b36d-4e7c-b6a2-146b5ce5f61b" providerId="ADAL" clId="{9C7A4D56-BAE9-4AF1-B2EA-490BD443D8BA}"/>
+    <pc:docChg chg="modSld">
+      <pc:chgData name="안 승훈" userId="e6453ba8-b36d-4e7c-b6a2-146b5ce5f61b" providerId="ADAL" clId="{9C7A4D56-BAE9-4AF1-B2EA-490BD443D8BA}" dt="2023-09-06T17:16:47.270" v="11" actId="14100"/>
+      <pc:docMkLst>
+        <pc:docMk/>
+      </pc:docMkLst>
+      <pc:sldChg chg="addSp modSp mod">
+        <pc:chgData name="안 승훈" userId="e6453ba8-b36d-4e7c-b6a2-146b5ce5f61b" providerId="ADAL" clId="{9C7A4D56-BAE9-4AF1-B2EA-490BD443D8BA}" dt="2023-09-06T17:16:47.270" v="11" actId="14100"/>
+        <pc:sldMkLst>
+          <pc:docMk/>
+          <pc:sldMk cId="1223543432" sldId="620"/>
+        </pc:sldMkLst>
+        <pc:cxnChg chg="add mod">
+          <ac:chgData name="안 승훈" userId="e6453ba8-b36d-4e7c-b6a2-146b5ce5f61b" providerId="ADAL" clId="{9C7A4D56-BAE9-4AF1-B2EA-490BD443D8BA}" dt="2023-09-06T17:16:47.270" v="11" actId="14100"/>
+          <ac:cxnSpMkLst>
+            <pc:docMk/>
+            <pc:sldMk cId="1223543432" sldId="620"/>
+            <ac:cxnSpMk id="3" creationId="{767702DB-9BA3-CBAA-38E9-843E15A04E4D}"/>
+          </ac:cxnSpMkLst>
+        </pc:cxnChg>
+        <pc:cxnChg chg="mod">
+          <ac:chgData name="안 승훈" userId="e6453ba8-b36d-4e7c-b6a2-146b5ce5f61b" providerId="ADAL" clId="{9C7A4D56-BAE9-4AF1-B2EA-490BD443D8BA}" dt="2023-09-06T17:16:31.466" v="5" actId="14100"/>
+          <ac:cxnSpMkLst>
+            <pc:docMk/>
+            <pc:sldMk cId="1223543432" sldId="620"/>
+            <ac:cxnSpMk id="17" creationId="{AC55059C-EEC0-2F80-D10C-D826A7E523E8}"/>
+          </ac:cxnSpMkLst>
+        </pc:cxnChg>
+        <pc:cxnChg chg="mod">
+          <ac:chgData name="안 승훈" userId="e6453ba8-b36d-4e7c-b6a2-146b5ce5f61b" providerId="ADAL" clId="{9C7A4D56-BAE9-4AF1-B2EA-490BD443D8BA}" dt="2023-09-06T17:16:38" v="8" actId="14100"/>
+          <ac:cxnSpMkLst>
+            <pc:docMk/>
+            <pc:sldMk cId="1223543432" sldId="620"/>
+            <ac:cxnSpMk id="21" creationId="{51D924E4-BCE9-CF6A-CE07-CC10FEE9B1A1}"/>
+          </ac:cxnSpMkLst>
+        </pc:cxnChg>
+      </pc:sldChg>
+    </pc:docChg>
+  </pc:docChgLst>
+</pc:chgInfo>
+</file>
+
 <file path=ppt/handoutMasters/handoutMaster1.xml><?xml version="1.0" encoding="utf-8"?>
 <p:handoutMaster xmlns:a="http://schemas.openxmlformats.org/drawingml/2006/main" xmlns:r="http://schemas.openxmlformats.org/officeDocument/2006/relationships" xmlns:p="http://schemas.openxmlformats.org/presentationml/2006/main">
   <p:cSld>
@@ -215,7 +274,7 @@
           <a:p>
             <a:fld id="{DD503887-5801-43A0-AEF9-041E8DDC2558}" type="datetimeFigureOut">
               <a:rPr lang="ko-KR" altLang="en-US" smtClean="0"/>
-              <a:t>2023-09-01</a:t>
+              <a:t>2023-09-07</a:t>
             </a:fld>
             <a:endParaRPr lang="ko-KR" altLang="en-US" dirty="0"/>
           </a:p>
@@ -392,7 +451,7 @@
           <a:p>
             <a:fld id="{95336A0E-57B1-4D4C-BD9B-2F72B5943464}" type="datetimeFigureOut">
               <a:rPr lang="ko-KR" altLang="en-US" smtClean="0"/>
-              <a:t>2023-09-01</a:t>
+              <a:t>2023-09-07</a:t>
             </a:fld>
             <a:endParaRPr lang="ko-KR" altLang="en-US" dirty="0"/>
           </a:p>
@@ -897,7 +956,7 @@
           <a:p>
             <a:fld id="{229D12C7-0FF5-4972-A033-474EFFC79F40}" type="datetime1">
               <a:rPr lang="ko-KR" altLang="en-US" smtClean="0"/>
-              <a:t>2023-09-01</a:t>
+              <a:t>2023-09-07</a:t>
             </a:fld>
             <a:endParaRPr lang="ko-KR" altLang="en-US" dirty="0"/>
           </a:p>
@@ -1095,7 +1154,7 @@
           <a:p>
             <a:fld id="{5BA19FD4-B052-4F56-8FD8-EAFD078DEFB0}" type="datetime1">
               <a:rPr lang="ko-KR" altLang="en-US" smtClean="0"/>
-              <a:t>2023-09-01</a:t>
+              <a:t>2023-09-07</a:t>
             </a:fld>
             <a:endParaRPr lang="ko-KR" altLang="en-US" dirty="0"/>
           </a:p>
@@ -1303,7 +1362,7 @@
           <a:p>
             <a:fld id="{024994B9-23A6-4B0A-A038-AC140E83DAA3}" type="datetime1">
               <a:rPr lang="ko-KR" altLang="en-US" smtClean="0"/>
-              <a:t>2023-09-01</a:t>
+              <a:t>2023-09-07</a:t>
             </a:fld>
             <a:endParaRPr lang="ko-KR" altLang="en-US" dirty="0"/>
           </a:p>
@@ -1445,7 +1504,7 @@
           <a:p>
             <a:fld id="{B5B1BBC2-B738-4C35-AEE5-660EB2DEB482}" type="datetime1">
               <a:rPr lang="ko-KR" altLang="en-US" smtClean="0"/>
-              <a:t>2023-09-01</a:t>
+              <a:t>2023-09-07</a:t>
             </a:fld>
             <a:endParaRPr lang="ko-KR" altLang="en-US" dirty="0"/>
           </a:p>
@@ -6112,7 +6171,7 @@
           <a:p>
             <a:fld id="{70D0DAB2-87CB-4028-B965-3AA710ADF2CB}" type="datetime1">
               <a:rPr lang="ko-KR" altLang="en-US" smtClean="0"/>
-              <a:t>2023-09-01</a:t>
+              <a:t>2023-09-07</a:t>
             </a:fld>
             <a:endParaRPr lang="ko-KR" altLang="en-US" dirty="0"/>
           </a:p>
@@ -6387,7 +6446,7 @@
           <a:p>
             <a:fld id="{63FA3D71-FEA8-477F-9D1E-EA860F411BC7}" type="datetime1">
               <a:rPr lang="ko-KR" altLang="en-US" smtClean="0"/>
-              <a:t>2023-09-01</a:t>
+              <a:t>2023-09-07</a:t>
             </a:fld>
             <a:endParaRPr lang="ko-KR" altLang="en-US" dirty="0"/>
           </a:p>
@@ -6652,7 +6711,7 @@
           <a:p>
             <a:fld id="{F58E3EF4-7980-4C97-BA64-EC66995BB574}" type="datetime1">
               <a:rPr lang="ko-KR" altLang="en-US" smtClean="0"/>
-              <a:t>2023-09-01</a:t>
+              <a:t>2023-09-07</a:t>
             </a:fld>
             <a:endParaRPr lang="ko-KR" altLang="en-US" dirty="0"/>
           </a:p>
@@ -7064,7 +7123,7 @@
           <a:p>
             <a:fld id="{FC9BC1D0-7D6B-4634-9D19-644040D74EAE}" type="datetime1">
               <a:rPr lang="ko-KR" altLang="en-US" smtClean="0"/>
-              <a:t>2023-09-01</a:t>
+              <a:t>2023-09-07</a:t>
             </a:fld>
             <a:endParaRPr lang="ko-KR" altLang="en-US" dirty="0"/>
           </a:p>
@@ -7205,7 +7264,7 @@
           <a:p>
             <a:fld id="{B5B1BBC2-B738-4C35-AEE5-660EB2DEB482}" type="datetime1">
               <a:rPr lang="ko-KR" altLang="en-US" smtClean="0"/>
-              <a:t>2023-09-01</a:t>
+              <a:t>2023-09-07</a:t>
             </a:fld>
             <a:endParaRPr lang="ko-KR" altLang="en-US" dirty="0"/>
           </a:p>
@@ -11787,7 +11846,7 @@
           <a:p>
             <a:fld id="{C60E9F93-7E77-4F36-B88C-A425F00C8D91}" type="datetime1">
               <a:rPr lang="ko-KR" altLang="en-US" smtClean="0"/>
-              <a:t>2023-09-01</a:t>
+              <a:t>2023-09-07</a:t>
             </a:fld>
             <a:endParaRPr lang="ko-KR" altLang="en-US" dirty="0"/>
           </a:p>
@@ -12098,7 +12157,7 @@
           <a:p>
             <a:fld id="{36BCCD0E-2A54-4016-BFFC-FEAABCDA6915}" type="datetime1">
               <a:rPr lang="ko-KR" altLang="en-US" smtClean="0"/>
-              <a:t>2023-09-01</a:t>
+              <a:t>2023-09-07</a:t>
             </a:fld>
             <a:endParaRPr lang="ko-KR" altLang="en-US" dirty="0"/>
           </a:p>
@@ -12386,7 +12445,7 @@
           <a:p>
             <a:fld id="{C984B0C4-64BA-4E4C-B5E6-A51EE3F6ED95}" type="datetime1">
               <a:rPr lang="ko-KR" altLang="en-US" smtClean="0"/>
-              <a:t>2023-09-01</a:t>
+              <a:t>2023-09-07</a:t>
             </a:fld>
             <a:endParaRPr lang="ko-KR" altLang="en-US" dirty="0"/>
           </a:p>
@@ -12628,7 +12687,7 @@
           <a:p>
             <a:fld id="{C984B0C4-64BA-4E4C-B5E6-A51EE3F6ED95}" type="datetime1">
               <a:rPr lang="ko-KR" altLang="en-US" smtClean="0"/>
-              <a:t>2023-09-01</a:t>
+              <a:t>2023-09-07</a:t>
             </a:fld>
             <a:endParaRPr lang="ko-KR" altLang="en-US" dirty="0"/>
           </a:p>
@@ -13070,15 +13129,7 @@
           <a:p>
             <a:r>
               <a:rPr lang="en-US" altLang="ko-KR" dirty="0"/>
-              <a:t>Coil </a:t>
-            </a:r>
-            <a:r>
-              <a:rPr lang="ko-KR" altLang="en-US" dirty="0"/>
-              <a:t>추적</a:t>
-            </a:r>
-            <a:r>
-              <a:rPr lang="en-US" altLang="ko-KR" dirty="0"/>
-              <a:t> Unit Test</a:t>
+              <a:t>Unit Test</a:t>
             </a:r>
             <a:endParaRPr lang="ko-KR" altLang="en-US" dirty="0"/>
           </a:p>
@@ -13117,6 +13168,2930 @@
     <p:extLst>
       <p:ext uri="{BB962C8B-B14F-4D97-AF65-F5344CB8AC3E}">
         <p14:creationId xmlns:p14="http://schemas.microsoft.com/office/powerpoint/2010/main" val="4084927639"/>
+      </p:ext>
+    </p:extLst>
+  </p:cSld>
+  <p:clrMapOvr>
+    <a:masterClrMapping/>
+  </p:clrMapOvr>
+</p:sld>
+</file>
+
+<file path=ppt/slides/slide2.xml><?xml version="1.0" encoding="utf-8"?>
+<p:sld xmlns:a="http://schemas.openxmlformats.org/drawingml/2006/main" xmlns:r="http://schemas.openxmlformats.org/officeDocument/2006/relationships" xmlns:p="http://schemas.openxmlformats.org/presentationml/2006/main">
+  <p:cSld>
+    <p:spTree>
+      <p:nvGrpSpPr>
+        <p:cNvPr id="1" name=""/>
+        <p:cNvGrpSpPr/>
+        <p:nvPr/>
+      </p:nvGrpSpPr>
+      <p:grpSpPr>
+        <a:xfrm>
+          <a:off x="0" y="0"/>
+          <a:ext cx="0" cy="0"/>
+          <a:chOff x="0" y="0"/>
+          <a:chExt cx="0" cy="0"/>
+        </a:xfrm>
+      </p:grpSpPr>
+      <p:sp>
+        <p:nvSpPr>
+          <p:cNvPr id="2" name="제목 1">
+            <a:extLst>
+              <a:ext uri="{FF2B5EF4-FFF2-40B4-BE49-F238E27FC236}">
+                <a16:creationId xmlns:a16="http://schemas.microsoft.com/office/drawing/2014/main" id="{8BE1CF2B-ADCA-1E79-3906-8FC7C9C3D8E1}"/>
+              </a:ext>
+            </a:extLst>
+          </p:cNvPr>
+          <p:cNvSpPr>
+            <a:spLocks noGrp="1"/>
+          </p:cNvSpPr>
+          <p:nvPr>
+            <p:ph type="title"/>
+          </p:nvPr>
+        </p:nvSpPr>
+        <p:spPr/>
+        <p:txBody>
+          <a:bodyPr/>
+          <a:lstStyle/>
+          <a:p>
+            <a:r>
+              <a:rPr lang="en-US" altLang="ko-KR" dirty="0"/>
+              <a:t>Capa1</a:t>
+            </a:r>
+            <a:endParaRPr lang="ko-KR" altLang="en-US" dirty="0"/>
+          </a:p>
+        </p:txBody>
+      </p:sp>
+      <p:sp>
+        <p:nvSpPr>
+          <p:cNvPr id="4" name="직사각형 3">
+            <a:extLst>
+              <a:ext uri="{FF2B5EF4-FFF2-40B4-BE49-F238E27FC236}">
+                <a16:creationId xmlns:a16="http://schemas.microsoft.com/office/drawing/2014/main" id="{3E9EC067-8C3F-F232-89B5-634E5DAB4656}"/>
+              </a:ext>
+            </a:extLst>
+          </p:cNvPr>
+          <p:cNvSpPr/>
+          <p:nvPr/>
+        </p:nvSpPr>
+        <p:spPr>
+          <a:xfrm>
+            <a:off x="2370666" y="2540001"/>
+            <a:ext cx="1253067" cy="1049020"/>
+          </a:xfrm>
+          <a:prstGeom prst="rect">
+            <a:avLst/>
+          </a:prstGeom>
+          <a:ln w="38100"/>
+        </p:spPr>
+        <p:style>
+          <a:lnRef idx="2">
+            <a:schemeClr val="accent1">
+              <a:shade val="15000"/>
+            </a:schemeClr>
+          </a:lnRef>
+          <a:fillRef idx="1">
+            <a:schemeClr val="accent1"/>
+          </a:fillRef>
+          <a:effectRef idx="0">
+            <a:schemeClr val="accent1"/>
+          </a:effectRef>
+          <a:fontRef idx="minor">
+            <a:schemeClr val="lt1"/>
+          </a:fontRef>
+        </p:style>
+        <p:txBody>
+          <a:bodyPr rtlCol="0" anchor="ctr"/>
+          <a:lstStyle/>
+          <a:p>
+            <a:pPr algn="ctr"/>
+            <a:r>
+              <a:rPr lang="en-US" altLang="ko-KR" dirty="0"/>
+              <a:t>Work</a:t>
+            </a:r>
+            <a:endParaRPr lang="ko-KR" altLang="en-US" dirty="0"/>
+          </a:p>
+        </p:txBody>
+      </p:sp>
+    </p:spTree>
+    <p:extLst>
+      <p:ext uri="{BB962C8B-B14F-4D97-AF65-F5344CB8AC3E}">
+        <p14:creationId xmlns:p14="http://schemas.microsoft.com/office/powerpoint/2010/main" val="3002830370"/>
+      </p:ext>
+    </p:extLst>
+  </p:cSld>
+  <p:clrMapOvr>
+    <a:masterClrMapping/>
+  </p:clrMapOvr>
+</p:sld>
+</file>
+
+<file path=ppt/slides/slide3.xml><?xml version="1.0" encoding="utf-8"?>
+<p:sld xmlns:a="http://schemas.openxmlformats.org/drawingml/2006/main" xmlns:r="http://schemas.openxmlformats.org/officeDocument/2006/relationships" xmlns:p="http://schemas.openxmlformats.org/presentationml/2006/main">
+  <p:cSld>
+    <p:spTree>
+      <p:nvGrpSpPr>
+        <p:cNvPr id="1" name=""/>
+        <p:cNvGrpSpPr/>
+        <p:nvPr/>
+      </p:nvGrpSpPr>
+      <p:grpSpPr>
+        <a:xfrm>
+          <a:off x="0" y="0"/>
+          <a:ext cx="0" cy="0"/>
+          <a:chOff x="0" y="0"/>
+          <a:chExt cx="0" cy="0"/>
+        </a:xfrm>
+      </p:grpSpPr>
+      <p:sp>
+        <p:nvSpPr>
+          <p:cNvPr id="2" name="제목 1">
+            <a:extLst>
+              <a:ext uri="{FF2B5EF4-FFF2-40B4-BE49-F238E27FC236}">
+                <a16:creationId xmlns:a16="http://schemas.microsoft.com/office/drawing/2014/main" id="{8BE1CF2B-ADCA-1E79-3906-8FC7C9C3D8E1}"/>
+              </a:ext>
+            </a:extLst>
+          </p:cNvPr>
+          <p:cNvSpPr>
+            <a:spLocks noGrp="1"/>
+          </p:cNvSpPr>
+          <p:nvPr>
+            <p:ph type="title"/>
+          </p:nvPr>
+        </p:nvSpPr>
+        <p:spPr/>
+        <p:txBody>
+          <a:bodyPr/>
+          <a:lstStyle/>
+          <a:p>
+            <a:r>
+              <a:rPr lang="en-US" altLang="ko-KR" dirty="0"/>
+              <a:t>Capa2</a:t>
+            </a:r>
+            <a:endParaRPr lang="ko-KR" altLang="en-US" dirty="0"/>
+          </a:p>
+        </p:txBody>
+      </p:sp>
+      <p:sp>
+        <p:nvSpPr>
+          <p:cNvPr id="4" name="직사각형 3">
+            <a:extLst>
+              <a:ext uri="{FF2B5EF4-FFF2-40B4-BE49-F238E27FC236}">
+                <a16:creationId xmlns:a16="http://schemas.microsoft.com/office/drawing/2014/main" id="{3E9EC067-8C3F-F232-89B5-634E5DAB4656}"/>
+              </a:ext>
+            </a:extLst>
+          </p:cNvPr>
+          <p:cNvSpPr/>
+          <p:nvPr/>
+        </p:nvSpPr>
+        <p:spPr>
+          <a:xfrm>
+            <a:off x="2370666" y="2540001"/>
+            <a:ext cx="1253067" cy="1049020"/>
+          </a:xfrm>
+          <a:prstGeom prst="rect">
+            <a:avLst/>
+          </a:prstGeom>
+          <a:ln w="38100"/>
+        </p:spPr>
+        <p:style>
+          <a:lnRef idx="2">
+            <a:schemeClr val="accent1">
+              <a:shade val="15000"/>
+            </a:schemeClr>
+          </a:lnRef>
+          <a:fillRef idx="1">
+            <a:schemeClr val="accent1"/>
+          </a:fillRef>
+          <a:effectRef idx="0">
+            <a:schemeClr val="accent1"/>
+          </a:effectRef>
+          <a:fontRef idx="minor">
+            <a:schemeClr val="lt1"/>
+          </a:fontRef>
+        </p:style>
+        <p:txBody>
+          <a:bodyPr rtlCol="0" anchor="ctr"/>
+          <a:lstStyle/>
+          <a:p>
+            <a:pPr algn="ctr"/>
+            <a:r>
+              <a:rPr lang="en-US" altLang="ko-KR" dirty="0"/>
+              <a:t>Work1</a:t>
+            </a:r>
+            <a:endParaRPr lang="ko-KR" altLang="en-US" dirty="0"/>
+          </a:p>
+        </p:txBody>
+      </p:sp>
+      <p:sp>
+        <p:nvSpPr>
+          <p:cNvPr id="5" name="직사각형 4">
+            <a:extLst>
+              <a:ext uri="{FF2B5EF4-FFF2-40B4-BE49-F238E27FC236}">
+                <a16:creationId xmlns:a16="http://schemas.microsoft.com/office/drawing/2014/main" id="{83ADA363-800F-F401-0E12-0AD6A8622F05}"/>
+              </a:ext>
+            </a:extLst>
+          </p:cNvPr>
+          <p:cNvSpPr/>
+          <p:nvPr/>
+        </p:nvSpPr>
+        <p:spPr>
+          <a:xfrm>
+            <a:off x="4936348" y="2540001"/>
+            <a:ext cx="1253067" cy="1049020"/>
+          </a:xfrm>
+          <a:prstGeom prst="rect">
+            <a:avLst/>
+          </a:prstGeom>
+          <a:ln w="38100"/>
+        </p:spPr>
+        <p:style>
+          <a:lnRef idx="2">
+            <a:schemeClr val="accent1">
+              <a:shade val="15000"/>
+            </a:schemeClr>
+          </a:lnRef>
+          <a:fillRef idx="1">
+            <a:schemeClr val="accent1"/>
+          </a:fillRef>
+          <a:effectRef idx="0">
+            <a:schemeClr val="accent1"/>
+          </a:effectRef>
+          <a:fontRef idx="minor">
+            <a:schemeClr val="lt1"/>
+          </a:fontRef>
+        </p:style>
+        <p:txBody>
+          <a:bodyPr rtlCol="0" anchor="ctr"/>
+          <a:lstStyle/>
+          <a:p>
+            <a:pPr algn="ctr"/>
+            <a:r>
+              <a:rPr lang="en-US" altLang="ko-KR" dirty="0"/>
+              <a:t>Work2</a:t>
+            </a:r>
+            <a:endParaRPr lang="ko-KR" altLang="en-US" dirty="0"/>
+          </a:p>
+        </p:txBody>
+      </p:sp>
+      <p:cxnSp>
+        <p:nvCxnSpPr>
+          <p:cNvPr id="8" name="직선 화살표 연결선 7">
+            <a:extLst>
+              <a:ext uri="{FF2B5EF4-FFF2-40B4-BE49-F238E27FC236}">
+                <a16:creationId xmlns:a16="http://schemas.microsoft.com/office/drawing/2014/main" id="{8B421630-D904-8C6A-EC7B-4C46E691831F}"/>
+              </a:ext>
+            </a:extLst>
+          </p:cNvPr>
+          <p:cNvCxnSpPr>
+            <a:stCxn id="4" idx="3"/>
+            <a:endCxn id="5" idx="1"/>
+          </p:cNvCxnSpPr>
+          <p:nvPr/>
+        </p:nvCxnSpPr>
+        <p:spPr>
+          <a:xfrm>
+            <a:off x="3623733" y="3064511"/>
+            <a:ext cx="1312615" cy="0"/>
+          </a:xfrm>
+          <a:prstGeom prst="straightConnector1">
+            <a:avLst/>
+          </a:prstGeom>
+          <a:ln w="38100">
+            <a:tailEnd type="triangle"/>
+          </a:ln>
+        </p:spPr>
+        <p:style>
+          <a:lnRef idx="1">
+            <a:schemeClr val="accent1"/>
+          </a:lnRef>
+          <a:fillRef idx="0">
+            <a:schemeClr val="accent1"/>
+          </a:fillRef>
+          <a:effectRef idx="0">
+            <a:schemeClr val="accent1"/>
+          </a:effectRef>
+          <a:fontRef idx="minor">
+            <a:schemeClr val="tx1"/>
+          </a:fontRef>
+        </p:style>
+      </p:cxnSp>
+      <p:cxnSp>
+        <p:nvCxnSpPr>
+          <p:cNvPr id="17" name="연결선: 꺾임 16">
+            <a:extLst>
+              <a:ext uri="{FF2B5EF4-FFF2-40B4-BE49-F238E27FC236}">
+                <a16:creationId xmlns:a16="http://schemas.microsoft.com/office/drawing/2014/main" id="{AC55059C-EEC0-2F80-D10C-D826A7E523E8}"/>
+              </a:ext>
+            </a:extLst>
+          </p:cNvPr>
+          <p:cNvCxnSpPr>
+            <a:cxnSpLocks/>
+            <a:stCxn id="5" idx="2"/>
+            <a:endCxn id="4" idx="2"/>
+          </p:cNvCxnSpPr>
+          <p:nvPr/>
+        </p:nvCxnSpPr>
+        <p:spPr>
+          <a:xfrm rot="5400000">
+            <a:off x="4280041" y="2306180"/>
+            <a:ext cx="12700" cy="2565682"/>
+          </a:xfrm>
+          <a:prstGeom prst="bentConnector3">
+            <a:avLst>
+              <a:gd name="adj1" fmla="val 1800000"/>
+            </a:avLst>
+          </a:prstGeom>
+          <a:ln w="38100">
+            <a:prstDash val="dash"/>
+            <a:tailEnd type="triangle"/>
+          </a:ln>
+        </p:spPr>
+        <p:style>
+          <a:lnRef idx="1">
+            <a:schemeClr val="accent1"/>
+          </a:lnRef>
+          <a:fillRef idx="0">
+            <a:schemeClr val="accent1"/>
+          </a:fillRef>
+          <a:effectRef idx="0">
+            <a:schemeClr val="accent1"/>
+          </a:effectRef>
+          <a:fontRef idx="minor">
+            <a:schemeClr val="tx1"/>
+          </a:fontRef>
+        </p:style>
+      </p:cxnSp>
+    </p:spTree>
+    <p:extLst>
+      <p:ext uri="{BB962C8B-B14F-4D97-AF65-F5344CB8AC3E}">
+        <p14:creationId xmlns:p14="http://schemas.microsoft.com/office/powerpoint/2010/main" val="951213445"/>
+      </p:ext>
+    </p:extLst>
+  </p:cSld>
+  <p:clrMapOvr>
+    <a:masterClrMapping/>
+  </p:clrMapOvr>
+</p:sld>
+</file>
+
+<file path=ppt/slides/slide4.xml><?xml version="1.0" encoding="utf-8"?>
+<p:sld xmlns:a="http://schemas.openxmlformats.org/drawingml/2006/main" xmlns:r="http://schemas.openxmlformats.org/officeDocument/2006/relationships" xmlns:p="http://schemas.openxmlformats.org/presentationml/2006/main">
+  <p:cSld>
+    <p:spTree>
+      <p:nvGrpSpPr>
+        <p:cNvPr id="1" name=""/>
+        <p:cNvGrpSpPr/>
+        <p:nvPr/>
+      </p:nvGrpSpPr>
+      <p:grpSpPr>
+        <a:xfrm>
+          <a:off x="0" y="0"/>
+          <a:ext cx="0" cy="0"/>
+          <a:chOff x="0" y="0"/>
+          <a:chExt cx="0" cy="0"/>
+        </a:xfrm>
+      </p:grpSpPr>
+      <p:sp>
+        <p:nvSpPr>
+          <p:cNvPr id="2" name="제목 1">
+            <a:extLst>
+              <a:ext uri="{FF2B5EF4-FFF2-40B4-BE49-F238E27FC236}">
+                <a16:creationId xmlns:a16="http://schemas.microsoft.com/office/drawing/2014/main" id="{8BE1CF2B-ADCA-1E79-3906-8FC7C9C3D8E1}"/>
+              </a:ext>
+            </a:extLst>
+          </p:cNvPr>
+          <p:cNvSpPr>
+            <a:spLocks noGrp="1"/>
+          </p:cNvSpPr>
+          <p:nvPr>
+            <p:ph type="title"/>
+          </p:nvPr>
+        </p:nvSpPr>
+        <p:spPr/>
+        <p:txBody>
+          <a:bodyPr/>
+          <a:lstStyle/>
+          <a:p>
+            <a:r>
+              <a:rPr lang="en-US" altLang="ko-KR" dirty="0"/>
+              <a:t>Capa3</a:t>
+            </a:r>
+            <a:endParaRPr lang="ko-KR" altLang="en-US" dirty="0"/>
+          </a:p>
+        </p:txBody>
+      </p:sp>
+      <p:sp>
+        <p:nvSpPr>
+          <p:cNvPr id="4" name="직사각형 3">
+            <a:extLst>
+              <a:ext uri="{FF2B5EF4-FFF2-40B4-BE49-F238E27FC236}">
+                <a16:creationId xmlns:a16="http://schemas.microsoft.com/office/drawing/2014/main" id="{3E9EC067-8C3F-F232-89B5-634E5DAB4656}"/>
+              </a:ext>
+            </a:extLst>
+          </p:cNvPr>
+          <p:cNvSpPr/>
+          <p:nvPr/>
+        </p:nvSpPr>
+        <p:spPr>
+          <a:xfrm>
+            <a:off x="2370666" y="2540001"/>
+            <a:ext cx="1253067" cy="1049020"/>
+          </a:xfrm>
+          <a:prstGeom prst="rect">
+            <a:avLst/>
+          </a:prstGeom>
+          <a:ln w="38100"/>
+        </p:spPr>
+        <p:style>
+          <a:lnRef idx="2">
+            <a:schemeClr val="accent1">
+              <a:shade val="15000"/>
+            </a:schemeClr>
+          </a:lnRef>
+          <a:fillRef idx="1">
+            <a:schemeClr val="accent1"/>
+          </a:fillRef>
+          <a:effectRef idx="0">
+            <a:schemeClr val="accent1"/>
+          </a:effectRef>
+          <a:fontRef idx="minor">
+            <a:schemeClr val="lt1"/>
+          </a:fontRef>
+        </p:style>
+        <p:txBody>
+          <a:bodyPr rtlCol="0" anchor="ctr"/>
+          <a:lstStyle/>
+          <a:p>
+            <a:pPr algn="ctr"/>
+            <a:r>
+              <a:rPr lang="en-US" altLang="ko-KR" dirty="0"/>
+              <a:t>Work1</a:t>
+            </a:r>
+            <a:endParaRPr lang="ko-KR" altLang="en-US" dirty="0"/>
+          </a:p>
+        </p:txBody>
+      </p:sp>
+      <p:sp>
+        <p:nvSpPr>
+          <p:cNvPr id="5" name="직사각형 4">
+            <a:extLst>
+              <a:ext uri="{FF2B5EF4-FFF2-40B4-BE49-F238E27FC236}">
+                <a16:creationId xmlns:a16="http://schemas.microsoft.com/office/drawing/2014/main" id="{83ADA363-800F-F401-0E12-0AD6A8622F05}"/>
+              </a:ext>
+            </a:extLst>
+          </p:cNvPr>
+          <p:cNvSpPr/>
+          <p:nvPr/>
+        </p:nvSpPr>
+        <p:spPr>
+          <a:xfrm>
+            <a:off x="4936348" y="2540001"/>
+            <a:ext cx="1253067" cy="1049020"/>
+          </a:xfrm>
+          <a:prstGeom prst="rect">
+            <a:avLst/>
+          </a:prstGeom>
+          <a:ln w="38100"/>
+        </p:spPr>
+        <p:style>
+          <a:lnRef idx="2">
+            <a:schemeClr val="accent1">
+              <a:shade val="15000"/>
+            </a:schemeClr>
+          </a:lnRef>
+          <a:fillRef idx="1">
+            <a:schemeClr val="accent1"/>
+          </a:fillRef>
+          <a:effectRef idx="0">
+            <a:schemeClr val="accent1"/>
+          </a:effectRef>
+          <a:fontRef idx="minor">
+            <a:schemeClr val="lt1"/>
+          </a:fontRef>
+        </p:style>
+        <p:txBody>
+          <a:bodyPr rtlCol="0" anchor="ctr"/>
+          <a:lstStyle/>
+          <a:p>
+            <a:pPr algn="ctr"/>
+            <a:r>
+              <a:rPr lang="en-US" altLang="ko-KR" dirty="0"/>
+              <a:t>Work2</a:t>
+            </a:r>
+            <a:endParaRPr lang="ko-KR" altLang="en-US" dirty="0"/>
+          </a:p>
+        </p:txBody>
+      </p:sp>
+      <p:sp>
+        <p:nvSpPr>
+          <p:cNvPr id="6" name="직사각형 5">
+            <a:extLst>
+              <a:ext uri="{FF2B5EF4-FFF2-40B4-BE49-F238E27FC236}">
+                <a16:creationId xmlns:a16="http://schemas.microsoft.com/office/drawing/2014/main" id="{195E620E-2A07-291D-4F2C-1DA3125F3A12}"/>
+              </a:ext>
+            </a:extLst>
+          </p:cNvPr>
+          <p:cNvSpPr/>
+          <p:nvPr/>
+        </p:nvSpPr>
+        <p:spPr>
+          <a:xfrm>
+            <a:off x="7502030" y="2540567"/>
+            <a:ext cx="1253067" cy="1049020"/>
+          </a:xfrm>
+          <a:prstGeom prst="rect">
+            <a:avLst/>
+          </a:prstGeom>
+          <a:ln w="38100"/>
+        </p:spPr>
+        <p:style>
+          <a:lnRef idx="2">
+            <a:schemeClr val="accent1">
+              <a:shade val="15000"/>
+            </a:schemeClr>
+          </a:lnRef>
+          <a:fillRef idx="1">
+            <a:schemeClr val="accent1"/>
+          </a:fillRef>
+          <a:effectRef idx="0">
+            <a:schemeClr val="accent1"/>
+          </a:effectRef>
+          <a:fontRef idx="minor">
+            <a:schemeClr val="lt1"/>
+          </a:fontRef>
+        </p:style>
+        <p:txBody>
+          <a:bodyPr rtlCol="0" anchor="ctr"/>
+          <a:lstStyle/>
+          <a:p>
+            <a:pPr algn="ctr"/>
+            <a:r>
+              <a:rPr lang="en-US" altLang="ko-KR" dirty="0"/>
+              <a:t>Work3</a:t>
+            </a:r>
+            <a:endParaRPr lang="ko-KR" altLang="en-US" dirty="0"/>
+          </a:p>
+        </p:txBody>
+      </p:sp>
+      <p:cxnSp>
+        <p:nvCxnSpPr>
+          <p:cNvPr id="8" name="직선 화살표 연결선 7">
+            <a:extLst>
+              <a:ext uri="{FF2B5EF4-FFF2-40B4-BE49-F238E27FC236}">
+                <a16:creationId xmlns:a16="http://schemas.microsoft.com/office/drawing/2014/main" id="{8B421630-D904-8C6A-EC7B-4C46E691831F}"/>
+              </a:ext>
+            </a:extLst>
+          </p:cNvPr>
+          <p:cNvCxnSpPr>
+            <a:stCxn id="4" idx="3"/>
+            <a:endCxn id="5" idx="1"/>
+          </p:cNvCxnSpPr>
+          <p:nvPr/>
+        </p:nvCxnSpPr>
+        <p:spPr>
+          <a:xfrm>
+            <a:off x="3623733" y="3064511"/>
+            <a:ext cx="1312615" cy="0"/>
+          </a:xfrm>
+          <a:prstGeom prst="straightConnector1">
+            <a:avLst/>
+          </a:prstGeom>
+          <a:ln w="38100">
+            <a:tailEnd type="triangle"/>
+          </a:ln>
+        </p:spPr>
+        <p:style>
+          <a:lnRef idx="1">
+            <a:schemeClr val="accent1"/>
+          </a:lnRef>
+          <a:fillRef idx="0">
+            <a:schemeClr val="accent1"/>
+          </a:fillRef>
+          <a:effectRef idx="0">
+            <a:schemeClr val="accent1"/>
+          </a:effectRef>
+          <a:fontRef idx="minor">
+            <a:schemeClr val="tx1"/>
+          </a:fontRef>
+        </p:style>
+      </p:cxnSp>
+      <p:cxnSp>
+        <p:nvCxnSpPr>
+          <p:cNvPr id="9" name="직선 화살표 연결선 8">
+            <a:extLst>
+              <a:ext uri="{FF2B5EF4-FFF2-40B4-BE49-F238E27FC236}">
+                <a16:creationId xmlns:a16="http://schemas.microsoft.com/office/drawing/2014/main" id="{1773B0FA-E929-95E6-EE7D-D5561EC60F1F}"/>
+              </a:ext>
+            </a:extLst>
+          </p:cNvPr>
+          <p:cNvCxnSpPr>
+            <a:cxnSpLocks/>
+            <a:stCxn id="5" idx="3"/>
+            <a:endCxn id="6" idx="1"/>
+          </p:cNvCxnSpPr>
+          <p:nvPr/>
+        </p:nvCxnSpPr>
+        <p:spPr>
+          <a:xfrm>
+            <a:off x="6189415" y="3064511"/>
+            <a:ext cx="1312615" cy="566"/>
+          </a:xfrm>
+          <a:prstGeom prst="straightConnector1">
+            <a:avLst/>
+          </a:prstGeom>
+          <a:ln w="38100">
+            <a:tailEnd type="triangle"/>
+          </a:ln>
+        </p:spPr>
+        <p:style>
+          <a:lnRef idx="1">
+            <a:schemeClr val="accent1"/>
+          </a:lnRef>
+          <a:fillRef idx="0">
+            <a:schemeClr val="accent1"/>
+          </a:fillRef>
+          <a:effectRef idx="0">
+            <a:schemeClr val="accent1"/>
+          </a:effectRef>
+          <a:fontRef idx="minor">
+            <a:schemeClr val="tx1"/>
+          </a:fontRef>
+        </p:style>
+      </p:cxnSp>
+      <p:cxnSp>
+        <p:nvCxnSpPr>
+          <p:cNvPr id="15" name="연결선: 꺾임 14">
+            <a:extLst>
+              <a:ext uri="{FF2B5EF4-FFF2-40B4-BE49-F238E27FC236}">
+                <a16:creationId xmlns:a16="http://schemas.microsoft.com/office/drawing/2014/main" id="{9C5AFBCA-C37E-8469-7F1F-4A58289085C6}"/>
+              </a:ext>
+            </a:extLst>
+          </p:cNvPr>
+          <p:cNvCxnSpPr>
+            <a:cxnSpLocks/>
+            <a:stCxn id="6" idx="0"/>
+            <a:endCxn id="5" idx="0"/>
+          </p:cNvCxnSpPr>
+          <p:nvPr/>
+        </p:nvCxnSpPr>
+        <p:spPr>
+          <a:xfrm rot="16200000" flipV="1">
+            <a:off x="6845440" y="1257443"/>
+            <a:ext cx="566" cy="2565682"/>
+          </a:xfrm>
+          <a:prstGeom prst="bentConnector3">
+            <a:avLst>
+              <a:gd name="adj1" fmla="val 40488693"/>
+            </a:avLst>
+          </a:prstGeom>
+          <a:ln w="38100">
+            <a:prstDash val="dash"/>
+            <a:tailEnd type="triangle"/>
+          </a:ln>
+        </p:spPr>
+        <p:style>
+          <a:lnRef idx="1">
+            <a:schemeClr val="accent1"/>
+          </a:lnRef>
+          <a:fillRef idx="0">
+            <a:schemeClr val="accent1"/>
+          </a:fillRef>
+          <a:effectRef idx="0">
+            <a:schemeClr val="accent1"/>
+          </a:effectRef>
+          <a:fontRef idx="minor">
+            <a:schemeClr val="tx1"/>
+          </a:fontRef>
+        </p:style>
+      </p:cxnSp>
+      <p:cxnSp>
+        <p:nvCxnSpPr>
+          <p:cNvPr id="17" name="연결선: 꺾임 16">
+            <a:extLst>
+              <a:ext uri="{FF2B5EF4-FFF2-40B4-BE49-F238E27FC236}">
+                <a16:creationId xmlns:a16="http://schemas.microsoft.com/office/drawing/2014/main" id="{AC55059C-EEC0-2F80-D10C-D826A7E523E8}"/>
+              </a:ext>
+            </a:extLst>
+          </p:cNvPr>
+          <p:cNvCxnSpPr>
+            <a:cxnSpLocks/>
+            <a:stCxn id="5" idx="2"/>
+            <a:endCxn id="4" idx="2"/>
+          </p:cNvCxnSpPr>
+          <p:nvPr/>
+        </p:nvCxnSpPr>
+        <p:spPr>
+          <a:xfrm rot="5400000">
+            <a:off x="4280041" y="2306180"/>
+            <a:ext cx="12700" cy="2565682"/>
+          </a:xfrm>
+          <a:prstGeom prst="bentConnector3">
+            <a:avLst>
+              <a:gd name="adj1" fmla="val 1800000"/>
+            </a:avLst>
+          </a:prstGeom>
+          <a:ln w="38100">
+            <a:prstDash val="dash"/>
+            <a:tailEnd type="triangle"/>
+          </a:ln>
+        </p:spPr>
+        <p:style>
+          <a:lnRef idx="1">
+            <a:schemeClr val="accent1"/>
+          </a:lnRef>
+          <a:fillRef idx="0">
+            <a:schemeClr val="accent1"/>
+          </a:fillRef>
+          <a:effectRef idx="0">
+            <a:schemeClr val="accent1"/>
+          </a:effectRef>
+          <a:fontRef idx="minor">
+            <a:schemeClr val="tx1"/>
+          </a:fontRef>
+        </p:style>
+      </p:cxnSp>
+    </p:spTree>
+    <p:extLst>
+      <p:ext uri="{BB962C8B-B14F-4D97-AF65-F5344CB8AC3E}">
+        <p14:creationId xmlns:p14="http://schemas.microsoft.com/office/powerpoint/2010/main" val="1979420961"/>
+      </p:ext>
+    </p:extLst>
+  </p:cSld>
+  <p:clrMapOvr>
+    <a:masterClrMapping/>
+  </p:clrMapOvr>
+</p:sld>
+</file>
+
+<file path=ppt/slides/slide5.xml><?xml version="1.0" encoding="utf-8"?>
+<p:sld xmlns:a="http://schemas.openxmlformats.org/drawingml/2006/main" xmlns:r="http://schemas.openxmlformats.org/officeDocument/2006/relationships" xmlns:p="http://schemas.openxmlformats.org/presentationml/2006/main">
+  <p:cSld>
+    <p:spTree>
+      <p:nvGrpSpPr>
+        <p:cNvPr id="1" name=""/>
+        <p:cNvGrpSpPr/>
+        <p:nvPr/>
+      </p:nvGrpSpPr>
+      <p:grpSpPr>
+        <a:xfrm>
+          <a:off x="0" y="0"/>
+          <a:ext cx="0" cy="0"/>
+          <a:chOff x="0" y="0"/>
+          <a:chExt cx="0" cy="0"/>
+        </a:xfrm>
+      </p:grpSpPr>
+      <p:sp>
+        <p:nvSpPr>
+          <p:cNvPr id="2" name="제목 1">
+            <a:extLst>
+              <a:ext uri="{FF2B5EF4-FFF2-40B4-BE49-F238E27FC236}">
+                <a16:creationId xmlns:a16="http://schemas.microsoft.com/office/drawing/2014/main" id="{8BE1CF2B-ADCA-1E79-3906-8FC7C9C3D8E1}"/>
+              </a:ext>
+            </a:extLst>
+          </p:cNvPr>
+          <p:cNvSpPr>
+            <a:spLocks noGrp="1"/>
+          </p:cNvSpPr>
+          <p:nvPr>
+            <p:ph type="title"/>
+          </p:nvPr>
+        </p:nvSpPr>
+        <p:spPr/>
+        <p:txBody>
+          <a:bodyPr/>
+          <a:lstStyle/>
+          <a:p>
+            <a:r>
+              <a:rPr lang="en-US" altLang="ko-KR" dirty="0"/>
+              <a:t>Capa4</a:t>
+            </a:r>
+            <a:endParaRPr lang="ko-KR" altLang="en-US" dirty="0"/>
+          </a:p>
+        </p:txBody>
+      </p:sp>
+      <p:sp>
+        <p:nvSpPr>
+          <p:cNvPr id="4" name="직사각형 3">
+            <a:extLst>
+              <a:ext uri="{FF2B5EF4-FFF2-40B4-BE49-F238E27FC236}">
+                <a16:creationId xmlns:a16="http://schemas.microsoft.com/office/drawing/2014/main" id="{3E9EC067-8C3F-F232-89B5-634E5DAB4656}"/>
+              </a:ext>
+            </a:extLst>
+          </p:cNvPr>
+          <p:cNvSpPr/>
+          <p:nvPr/>
+        </p:nvSpPr>
+        <p:spPr>
+          <a:xfrm>
+            <a:off x="1037166" y="3162301"/>
+            <a:ext cx="1253067" cy="1049020"/>
+          </a:xfrm>
+          <a:prstGeom prst="rect">
+            <a:avLst/>
+          </a:prstGeom>
+          <a:ln w="38100"/>
+        </p:spPr>
+        <p:style>
+          <a:lnRef idx="2">
+            <a:schemeClr val="accent1">
+              <a:shade val="15000"/>
+            </a:schemeClr>
+          </a:lnRef>
+          <a:fillRef idx="1">
+            <a:schemeClr val="accent1"/>
+          </a:fillRef>
+          <a:effectRef idx="0">
+            <a:schemeClr val="accent1"/>
+          </a:effectRef>
+          <a:fontRef idx="minor">
+            <a:schemeClr val="lt1"/>
+          </a:fontRef>
+        </p:style>
+        <p:txBody>
+          <a:bodyPr rtlCol="0" anchor="ctr"/>
+          <a:lstStyle/>
+          <a:p>
+            <a:pPr algn="ctr"/>
+            <a:r>
+              <a:rPr lang="en-US" altLang="ko-KR" dirty="0"/>
+              <a:t>Work1</a:t>
+            </a:r>
+            <a:endParaRPr lang="ko-KR" altLang="en-US" dirty="0"/>
+          </a:p>
+        </p:txBody>
+      </p:sp>
+      <p:sp>
+        <p:nvSpPr>
+          <p:cNvPr id="5" name="직사각형 4">
+            <a:extLst>
+              <a:ext uri="{FF2B5EF4-FFF2-40B4-BE49-F238E27FC236}">
+                <a16:creationId xmlns:a16="http://schemas.microsoft.com/office/drawing/2014/main" id="{83ADA363-800F-F401-0E12-0AD6A8622F05}"/>
+              </a:ext>
+            </a:extLst>
+          </p:cNvPr>
+          <p:cNvSpPr/>
+          <p:nvPr/>
+        </p:nvSpPr>
+        <p:spPr>
+          <a:xfrm>
+            <a:off x="3602848" y="3162301"/>
+            <a:ext cx="1253067" cy="1049020"/>
+          </a:xfrm>
+          <a:prstGeom prst="rect">
+            <a:avLst/>
+          </a:prstGeom>
+          <a:ln w="38100"/>
+        </p:spPr>
+        <p:style>
+          <a:lnRef idx="2">
+            <a:schemeClr val="accent1">
+              <a:shade val="15000"/>
+            </a:schemeClr>
+          </a:lnRef>
+          <a:fillRef idx="1">
+            <a:schemeClr val="accent1"/>
+          </a:fillRef>
+          <a:effectRef idx="0">
+            <a:schemeClr val="accent1"/>
+          </a:effectRef>
+          <a:fontRef idx="minor">
+            <a:schemeClr val="lt1"/>
+          </a:fontRef>
+        </p:style>
+        <p:txBody>
+          <a:bodyPr rtlCol="0" anchor="ctr"/>
+          <a:lstStyle/>
+          <a:p>
+            <a:pPr algn="ctr"/>
+            <a:r>
+              <a:rPr lang="en-US" altLang="ko-KR" dirty="0"/>
+              <a:t>Work2</a:t>
+            </a:r>
+            <a:endParaRPr lang="ko-KR" altLang="en-US" dirty="0"/>
+          </a:p>
+        </p:txBody>
+      </p:sp>
+      <p:sp>
+        <p:nvSpPr>
+          <p:cNvPr id="6" name="직사각형 5">
+            <a:extLst>
+              <a:ext uri="{FF2B5EF4-FFF2-40B4-BE49-F238E27FC236}">
+                <a16:creationId xmlns:a16="http://schemas.microsoft.com/office/drawing/2014/main" id="{195E620E-2A07-291D-4F2C-1DA3125F3A12}"/>
+              </a:ext>
+            </a:extLst>
+          </p:cNvPr>
+          <p:cNvSpPr/>
+          <p:nvPr/>
+        </p:nvSpPr>
+        <p:spPr>
+          <a:xfrm>
+            <a:off x="6168530" y="3162867"/>
+            <a:ext cx="1253067" cy="1049020"/>
+          </a:xfrm>
+          <a:prstGeom prst="rect">
+            <a:avLst/>
+          </a:prstGeom>
+          <a:ln w="38100"/>
+        </p:spPr>
+        <p:style>
+          <a:lnRef idx="2">
+            <a:schemeClr val="accent1">
+              <a:shade val="15000"/>
+            </a:schemeClr>
+          </a:lnRef>
+          <a:fillRef idx="1">
+            <a:schemeClr val="accent1"/>
+          </a:fillRef>
+          <a:effectRef idx="0">
+            <a:schemeClr val="accent1"/>
+          </a:effectRef>
+          <a:fontRef idx="minor">
+            <a:schemeClr val="lt1"/>
+          </a:fontRef>
+        </p:style>
+        <p:txBody>
+          <a:bodyPr rtlCol="0" anchor="ctr"/>
+          <a:lstStyle/>
+          <a:p>
+            <a:pPr algn="ctr"/>
+            <a:r>
+              <a:rPr lang="en-US" altLang="ko-KR" dirty="0"/>
+              <a:t>Work3</a:t>
+            </a:r>
+            <a:endParaRPr lang="ko-KR" altLang="en-US" dirty="0"/>
+          </a:p>
+        </p:txBody>
+      </p:sp>
+      <p:cxnSp>
+        <p:nvCxnSpPr>
+          <p:cNvPr id="8" name="직선 화살표 연결선 7">
+            <a:extLst>
+              <a:ext uri="{FF2B5EF4-FFF2-40B4-BE49-F238E27FC236}">
+                <a16:creationId xmlns:a16="http://schemas.microsoft.com/office/drawing/2014/main" id="{8B421630-D904-8C6A-EC7B-4C46E691831F}"/>
+              </a:ext>
+            </a:extLst>
+          </p:cNvPr>
+          <p:cNvCxnSpPr>
+            <a:stCxn id="4" idx="3"/>
+            <a:endCxn id="5" idx="1"/>
+          </p:cNvCxnSpPr>
+          <p:nvPr/>
+        </p:nvCxnSpPr>
+        <p:spPr>
+          <a:xfrm>
+            <a:off x="2290233" y="3686811"/>
+            <a:ext cx="1312615" cy="0"/>
+          </a:xfrm>
+          <a:prstGeom prst="straightConnector1">
+            <a:avLst/>
+          </a:prstGeom>
+          <a:ln w="38100">
+            <a:tailEnd type="triangle"/>
+          </a:ln>
+        </p:spPr>
+        <p:style>
+          <a:lnRef idx="1">
+            <a:schemeClr val="accent1"/>
+          </a:lnRef>
+          <a:fillRef idx="0">
+            <a:schemeClr val="accent1"/>
+          </a:fillRef>
+          <a:effectRef idx="0">
+            <a:schemeClr val="accent1"/>
+          </a:effectRef>
+          <a:fontRef idx="minor">
+            <a:schemeClr val="tx1"/>
+          </a:fontRef>
+        </p:style>
+      </p:cxnSp>
+      <p:cxnSp>
+        <p:nvCxnSpPr>
+          <p:cNvPr id="9" name="직선 화살표 연결선 8">
+            <a:extLst>
+              <a:ext uri="{FF2B5EF4-FFF2-40B4-BE49-F238E27FC236}">
+                <a16:creationId xmlns:a16="http://schemas.microsoft.com/office/drawing/2014/main" id="{1773B0FA-E929-95E6-EE7D-D5561EC60F1F}"/>
+              </a:ext>
+            </a:extLst>
+          </p:cNvPr>
+          <p:cNvCxnSpPr>
+            <a:cxnSpLocks/>
+            <a:stCxn id="5" idx="3"/>
+            <a:endCxn id="6" idx="1"/>
+          </p:cNvCxnSpPr>
+          <p:nvPr/>
+        </p:nvCxnSpPr>
+        <p:spPr>
+          <a:xfrm>
+            <a:off x="4855915" y="3686811"/>
+            <a:ext cx="1312615" cy="566"/>
+          </a:xfrm>
+          <a:prstGeom prst="straightConnector1">
+            <a:avLst/>
+          </a:prstGeom>
+          <a:ln w="38100">
+            <a:tailEnd type="triangle"/>
+          </a:ln>
+        </p:spPr>
+        <p:style>
+          <a:lnRef idx="1">
+            <a:schemeClr val="accent1"/>
+          </a:lnRef>
+          <a:fillRef idx="0">
+            <a:schemeClr val="accent1"/>
+          </a:fillRef>
+          <a:effectRef idx="0">
+            <a:schemeClr val="accent1"/>
+          </a:effectRef>
+          <a:fontRef idx="minor">
+            <a:schemeClr val="tx1"/>
+          </a:fontRef>
+        </p:style>
+      </p:cxnSp>
+      <p:cxnSp>
+        <p:nvCxnSpPr>
+          <p:cNvPr id="15" name="연결선: 꺾임 14">
+            <a:extLst>
+              <a:ext uri="{FF2B5EF4-FFF2-40B4-BE49-F238E27FC236}">
+                <a16:creationId xmlns:a16="http://schemas.microsoft.com/office/drawing/2014/main" id="{9C5AFBCA-C37E-8469-7F1F-4A58289085C6}"/>
+              </a:ext>
+            </a:extLst>
+          </p:cNvPr>
+          <p:cNvCxnSpPr>
+            <a:cxnSpLocks/>
+            <a:stCxn id="6" idx="0"/>
+            <a:endCxn id="5" idx="0"/>
+          </p:cNvCxnSpPr>
+          <p:nvPr/>
+        </p:nvCxnSpPr>
+        <p:spPr>
+          <a:xfrm rot="16200000" flipV="1">
+            <a:off x="5511940" y="1879743"/>
+            <a:ext cx="566" cy="2565682"/>
+          </a:xfrm>
+          <a:prstGeom prst="bentConnector3">
+            <a:avLst>
+              <a:gd name="adj1" fmla="val 40488693"/>
+            </a:avLst>
+          </a:prstGeom>
+          <a:ln w="38100">
+            <a:prstDash val="dash"/>
+            <a:tailEnd type="triangle"/>
+          </a:ln>
+        </p:spPr>
+        <p:style>
+          <a:lnRef idx="1">
+            <a:schemeClr val="accent1"/>
+          </a:lnRef>
+          <a:fillRef idx="0">
+            <a:schemeClr val="accent1"/>
+          </a:fillRef>
+          <a:effectRef idx="0">
+            <a:schemeClr val="accent1"/>
+          </a:effectRef>
+          <a:fontRef idx="minor">
+            <a:schemeClr val="tx1"/>
+          </a:fontRef>
+        </p:style>
+      </p:cxnSp>
+      <p:cxnSp>
+        <p:nvCxnSpPr>
+          <p:cNvPr id="17" name="연결선: 꺾임 16">
+            <a:extLst>
+              <a:ext uri="{FF2B5EF4-FFF2-40B4-BE49-F238E27FC236}">
+                <a16:creationId xmlns:a16="http://schemas.microsoft.com/office/drawing/2014/main" id="{AC55059C-EEC0-2F80-D10C-D826A7E523E8}"/>
+              </a:ext>
+            </a:extLst>
+          </p:cNvPr>
+          <p:cNvCxnSpPr>
+            <a:cxnSpLocks/>
+            <a:stCxn id="5" idx="2"/>
+            <a:endCxn id="4" idx="2"/>
+          </p:cNvCxnSpPr>
+          <p:nvPr/>
+        </p:nvCxnSpPr>
+        <p:spPr>
+          <a:xfrm rot="5400000">
+            <a:off x="2946541" y="2928480"/>
+            <a:ext cx="12700" cy="2565682"/>
+          </a:xfrm>
+          <a:prstGeom prst="bentConnector3">
+            <a:avLst>
+              <a:gd name="adj1" fmla="val 1800000"/>
+            </a:avLst>
+          </a:prstGeom>
+          <a:ln w="38100">
+            <a:prstDash val="dash"/>
+            <a:tailEnd type="triangle"/>
+          </a:ln>
+        </p:spPr>
+        <p:style>
+          <a:lnRef idx="1">
+            <a:schemeClr val="accent1"/>
+          </a:lnRef>
+          <a:fillRef idx="0">
+            <a:schemeClr val="accent1"/>
+          </a:fillRef>
+          <a:effectRef idx="0">
+            <a:schemeClr val="accent1"/>
+          </a:effectRef>
+          <a:fontRef idx="minor">
+            <a:schemeClr val="tx1"/>
+          </a:fontRef>
+        </p:style>
+      </p:cxnSp>
+      <p:sp>
+        <p:nvSpPr>
+          <p:cNvPr id="19" name="직사각형 18">
+            <a:extLst>
+              <a:ext uri="{FF2B5EF4-FFF2-40B4-BE49-F238E27FC236}">
+                <a16:creationId xmlns:a16="http://schemas.microsoft.com/office/drawing/2014/main" id="{316A9FC9-39D1-081E-ED13-A019F662625A}"/>
+              </a:ext>
+            </a:extLst>
+          </p:cNvPr>
+          <p:cNvSpPr/>
+          <p:nvPr/>
+        </p:nvSpPr>
+        <p:spPr>
+          <a:xfrm>
+            <a:off x="9076830" y="3168651"/>
+            <a:ext cx="1253067" cy="1049020"/>
+          </a:xfrm>
+          <a:prstGeom prst="rect">
+            <a:avLst/>
+          </a:prstGeom>
+          <a:ln w="38100"/>
+        </p:spPr>
+        <p:style>
+          <a:lnRef idx="2">
+            <a:schemeClr val="accent1">
+              <a:shade val="15000"/>
+            </a:schemeClr>
+          </a:lnRef>
+          <a:fillRef idx="1">
+            <a:schemeClr val="accent1"/>
+          </a:fillRef>
+          <a:effectRef idx="0">
+            <a:schemeClr val="accent1"/>
+          </a:effectRef>
+          <a:fontRef idx="minor">
+            <a:schemeClr val="lt1"/>
+          </a:fontRef>
+        </p:style>
+        <p:txBody>
+          <a:bodyPr rtlCol="0" anchor="ctr"/>
+          <a:lstStyle/>
+          <a:p>
+            <a:pPr algn="ctr"/>
+            <a:r>
+              <a:rPr lang="en-US" altLang="ko-KR" dirty="0"/>
+              <a:t>Work4</a:t>
+            </a:r>
+            <a:endParaRPr lang="ko-KR" altLang="en-US" dirty="0"/>
+          </a:p>
+        </p:txBody>
+      </p:sp>
+      <p:cxnSp>
+        <p:nvCxnSpPr>
+          <p:cNvPr id="20" name="직선 화살표 연결선 19">
+            <a:extLst>
+              <a:ext uri="{FF2B5EF4-FFF2-40B4-BE49-F238E27FC236}">
+                <a16:creationId xmlns:a16="http://schemas.microsoft.com/office/drawing/2014/main" id="{B08AE3BA-ED1D-5A1B-0ED4-6B120A52173B}"/>
+              </a:ext>
+            </a:extLst>
+          </p:cNvPr>
+          <p:cNvCxnSpPr>
+            <a:cxnSpLocks/>
+            <a:stCxn id="6" idx="3"/>
+            <a:endCxn id="19" idx="1"/>
+          </p:cNvCxnSpPr>
+          <p:nvPr/>
+        </p:nvCxnSpPr>
+        <p:spPr>
+          <a:xfrm>
+            <a:off x="7421597" y="3687377"/>
+            <a:ext cx="1655233" cy="5784"/>
+          </a:xfrm>
+          <a:prstGeom prst="straightConnector1">
+            <a:avLst/>
+          </a:prstGeom>
+          <a:ln w="38100">
+            <a:headEnd type="diamond" w="med" len="med"/>
+            <a:tailEnd type="triangle" w="med" len="med"/>
+          </a:ln>
+        </p:spPr>
+        <p:style>
+          <a:lnRef idx="1">
+            <a:schemeClr val="accent1"/>
+          </a:lnRef>
+          <a:fillRef idx="0">
+            <a:schemeClr val="accent1"/>
+          </a:fillRef>
+          <a:effectRef idx="0">
+            <a:schemeClr val="accent1"/>
+          </a:effectRef>
+          <a:fontRef idx="minor">
+            <a:schemeClr val="tx1"/>
+          </a:fontRef>
+        </p:style>
+      </p:cxnSp>
+    </p:spTree>
+    <p:extLst>
+      <p:ext uri="{BB962C8B-B14F-4D97-AF65-F5344CB8AC3E}">
+        <p14:creationId xmlns:p14="http://schemas.microsoft.com/office/powerpoint/2010/main" val="3355767822"/>
+      </p:ext>
+    </p:extLst>
+  </p:cSld>
+  <p:clrMapOvr>
+    <a:masterClrMapping/>
+  </p:clrMapOvr>
+</p:sld>
+</file>
+
+<file path=ppt/slides/slide6.xml><?xml version="1.0" encoding="utf-8"?>
+<p:sld xmlns:a="http://schemas.openxmlformats.org/drawingml/2006/main" xmlns:r="http://schemas.openxmlformats.org/officeDocument/2006/relationships" xmlns:p="http://schemas.openxmlformats.org/presentationml/2006/main">
+  <p:cSld>
+    <p:spTree>
+      <p:nvGrpSpPr>
+        <p:cNvPr id="1" name=""/>
+        <p:cNvGrpSpPr/>
+        <p:nvPr/>
+      </p:nvGrpSpPr>
+      <p:grpSpPr>
+        <a:xfrm>
+          <a:off x="0" y="0"/>
+          <a:ext cx="0" cy="0"/>
+          <a:chOff x="0" y="0"/>
+          <a:chExt cx="0" cy="0"/>
+        </a:xfrm>
+      </p:grpSpPr>
+      <p:sp>
+        <p:nvSpPr>
+          <p:cNvPr id="2" name="제목 1">
+            <a:extLst>
+              <a:ext uri="{FF2B5EF4-FFF2-40B4-BE49-F238E27FC236}">
+                <a16:creationId xmlns:a16="http://schemas.microsoft.com/office/drawing/2014/main" id="{8BE1CF2B-ADCA-1E79-3906-8FC7C9C3D8E1}"/>
+              </a:ext>
+            </a:extLst>
+          </p:cNvPr>
+          <p:cNvSpPr>
+            <a:spLocks noGrp="1"/>
+          </p:cNvSpPr>
+          <p:nvPr>
+            <p:ph type="title"/>
+          </p:nvPr>
+        </p:nvSpPr>
+        <p:spPr/>
+        <p:txBody>
+          <a:bodyPr/>
+          <a:lstStyle/>
+          <a:p>
+            <a:r>
+              <a:rPr lang="en-US" altLang="ko-KR" dirty="0"/>
+              <a:t>Capa12</a:t>
+            </a:r>
+            <a:endParaRPr lang="ko-KR" altLang="en-US" dirty="0"/>
+          </a:p>
+        </p:txBody>
+      </p:sp>
+      <p:sp>
+        <p:nvSpPr>
+          <p:cNvPr id="4" name="직사각형 3">
+            <a:extLst>
+              <a:ext uri="{FF2B5EF4-FFF2-40B4-BE49-F238E27FC236}">
+                <a16:creationId xmlns:a16="http://schemas.microsoft.com/office/drawing/2014/main" id="{3E9EC067-8C3F-F232-89B5-634E5DAB4656}"/>
+              </a:ext>
+            </a:extLst>
+          </p:cNvPr>
+          <p:cNvSpPr/>
+          <p:nvPr/>
+        </p:nvSpPr>
+        <p:spPr>
+          <a:xfrm>
+            <a:off x="838200" y="1898470"/>
+            <a:ext cx="960121" cy="780572"/>
+          </a:xfrm>
+          <a:prstGeom prst="rect">
+            <a:avLst/>
+          </a:prstGeom>
+          <a:ln w="38100"/>
+        </p:spPr>
+        <p:style>
+          <a:lnRef idx="2">
+            <a:schemeClr val="accent1">
+              <a:shade val="15000"/>
+            </a:schemeClr>
+          </a:lnRef>
+          <a:fillRef idx="1">
+            <a:schemeClr val="accent1"/>
+          </a:fillRef>
+          <a:effectRef idx="0">
+            <a:schemeClr val="accent1"/>
+          </a:effectRef>
+          <a:fontRef idx="minor">
+            <a:schemeClr val="lt1"/>
+          </a:fontRef>
+        </p:style>
+        <p:txBody>
+          <a:bodyPr rtlCol="0" anchor="ctr"/>
+          <a:lstStyle/>
+          <a:p>
+            <a:pPr algn="ctr"/>
+            <a:r>
+              <a:rPr lang="en-US" altLang="ko-KR" sz="1600" dirty="0"/>
+              <a:t>Work1</a:t>
+            </a:r>
+            <a:endParaRPr lang="ko-KR" altLang="en-US" sz="1600" dirty="0"/>
+          </a:p>
+        </p:txBody>
+      </p:sp>
+      <p:sp>
+        <p:nvSpPr>
+          <p:cNvPr id="5" name="직사각형 4">
+            <a:extLst>
+              <a:ext uri="{FF2B5EF4-FFF2-40B4-BE49-F238E27FC236}">
+                <a16:creationId xmlns:a16="http://schemas.microsoft.com/office/drawing/2014/main" id="{83ADA363-800F-F401-0E12-0AD6A8622F05}"/>
+              </a:ext>
+            </a:extLst>
+          </p:cNvPr>
+          <p:cNvSpPr/>
+          <p:nvPr/>
+        </p:nvSpPr>
+        <p:spPr>
+          <a:xfrm>
+            <a:off x="3403882" y="1898470"/>
+            <a:ext cx="960121" cy="780572"/>
+          </a:xfrm>
+          <a:prstGeom prst="rect">
+            <a:avLst/>
+          </a:prstGeom>
+          <a:ln w="38100"/>
+        </p:spPr>
+        <p:style>
+          <a:lnRef idx="2">
+            <a:schemeClr val="accent1">
+              <a:shade val="15000"/>
+            </a:schemeClr>
+          </a:lnRef>
+          <a:fillRef idx="1">
+            <a:schemeClr val="accent1"/>
+          </a:fillRef>
+          <a:effectRef idx="0">
+            <a:schemeClr val="accent1"/>
+          </a:effectRef>
+          <a:fontRef idx="minor">
+            <a:schemeClr val="lt1"/>
+          </a:fontRef>
+        </p:style>
+        <p:txBody>
+          <a:bodyPr rtlCol="0" anchor="ctr"/>
+          <a:lstStyle/>
+          <a:p>
+            <a:pPr algn="ctr"/>
+            <a:r>
+              <a:rPr lang="en-US" altLang="ko-KR" sz="1600" dirty="0"/>
+              <a:t>Work2</a:t>
+            </a:r>
+            <a:endParaRPr lang="ko-KR" altLang="en-US" sz="1600" dirty="0"/>
+          </a:p>
+        </p:txBody>
+      </p:sp>
+      <p:sp>
+        <p:nvSpPr>
+          <p:cNvPr id="6" name="직사각형 5">
+            <a:extLst>
+              <a:ext uri="{FF2B5EF4-FFF2-40B4-BE49-F238E27FC236}">
+                <a16:creationId xmlns:a16="http://schemas.microsoft.com/office/drawing/2014/main" id="{195E620E-2A07-291D-4F2C-1DA3125F3A12}"/>
+              </a:ext>
+            </a:extLst>
+          </p:cNvPr>
+          <p:cNvSpPr/>
+          <p:nvPr/>
+        </p:nvSpPr>
+        <p:spPr>
+          <a:xfrm>
+            <a:off x="5969564" y="1899036"/>
+            <a:ext cx="960121" cy="780572"/>
+          </a:xfrm>
+          <a:prstGeom prst="rect">
+            <a:avLst/>
+          </a:prstGeom>
+          <a:ln w="38100"/>
+        </p:spPr>
+        <p:style>
+          <a:lnRef idx="2">
+            <a:schemeClr val="accent1">
+              <a:shade val="15000"/>
+            </a:schemeClr>
+          </a:lnRef>
+          <a:fillRef idx="1">
+            <a:schemeClr val="accent1"/>
+          </a:fillRef>
+          <a:effectRef idx="0">
+            <a:schemeClr val="accent1"/>
+          </a:effectRef>
+          <a:fontRef idx="minor">
+            <a:schemeClr val="lt1"/>
+          </a:fontRef>
+        </p:style>
+        <p:txBody>
+          <a:bodyPr rtlCol="0" anchor="ctr"/>
+          <a:lstStyle/>
+          <a:p>
+            <a:pPr algn="ctr"/>
+            <a:r>
+              <a:rPr lang="en-US" altLang="ko-KR" sz="1600" dirty="0"/>
+              <a:t>Work3</a:t>
+            </a:r>
+            <a:endParaRPr lang="ko-KR" altLang="en-US" sz="1600" dirty="0"/>
+          </a:p>
+        </p:txBody>
+      </p:sp>
+      <p:cxnSp>
+        <p:nvCxnSpPr>
+          <p:cNvPr id="8" name="직선 화살표 연결선 7">
+            <a:extLst>
+              <a:ext uri="{FF2B5EF4-FFF2-40B4-BE49-F238E27FC236}">
+                <a16:creationId xmlns:a16="http://schemas.microsoft.com/office/drawing/2014/main" id="{8B421630-D904-8C6A-EC7B-4C46E691831F}"/>
+              </a:ext>
+            </a:extLst>
+          </p:cNvPr>
+          <p:cNvCxnSpPr>
+            <a:stCxn id="4" idx="3"/>
+            <a:endCxn id="5" idx="1"/>
+          </p:cNvCxnSpPr>
+          <p:nvPr/>
+        </p:nvCxnSpPr>
+        <p:spPr>
+          <a:xfrm>
+            <a:off x="1798321" y="2288756"/>
+            <a:ext cx="1605561" cy="0"/>
+          </a:xfrm>
+          <a:prstGeom prst="straightConnector1">
+            <a:avLst/>
+          </a:prstGeom>
+          <a:ln w="38100">
+            <a:headEnd type="diamond" w="med" len="med"/>
+            <a:tailEnd type="triangle" w="med" len="med"/>
+          </a:ln>
+        </p:spPr>
+        <p:style>
+          <a:lnRef idx="1">
+            <a:schemeClr val="accent1"/>
+          </a:lnRef>
+          <a:fillRef idx="0">
+            <a:schemeClr val="accent1"/>
+          </a:fillRef>
+          <a:effectRef idx="0">
+            <a:schemeClr val="accent1"/>
+          </a:effectRef>
+          <a:fontRef idx="minor">
+            <a:schemeClr val="tx1"/>
+          </a:fontRef>
+        </p:style>
+      </p:cxnSp>
+      <p:cxnSp>
+        <p:nvCxnSpPr>
+          <p:cNvPr id="9" name="직선 화살표 연결선 8">
+            <a:extLst>
+              <a:ext uri="{FF2B5EF4-FFF2-40B4-BE49-F238E27FC236}">
+                <a16:creationId xmlns:a16="http://schemas.microsoft.com/office/drawing/2014/main" id="{1773B0FA-E929-95E6-EE7D-D5561EC60F1F}"/>
+              </a:ext>
+            </a:extLst>
+          </p:cNvPr>
+          <p:cNvCxnSpPr>
+            <a:cxnSpLocks/>
+            <a:stCxn id="5" idx="3"/>
+            <a:endCxn id="6" idx="1"/>
+          </p:cNvCxnSpPr>
+          <p:nvPr/>
+        </p:nvCxnSpPr>
+        <p:spPr>
+          <a:xfrm>
+            <a:off x="4364003" y="2288756"/>
+            <a:ext cx="1605561" cy="566"/>
+          </a:xfrm>
+          <a:prstGeom prst="straightConnector1">
+            <a:avLst/>
+          </a:prstGeom>
+          <a:ln w="38100">
+            <a:headEnd type="diamond" w="med" len="med"/>
+            <a:tailEnd type="triangle" w="med" len="med"/>
+          </a:ln>
+        </p:spPr>
+        <p:style>
+          <a:lnRef idx="1">
+            <a:schemeClr val="accent1"/>
+          </a:lnRef>
+          <a:fillRef idx="0">
+            <a:schemeClr val="accent1"/>
+          </a:fillRef>
+          <a:effectRef idx="0">
+            <a:schemeClr val="accent1"/>
+          </a:effectRef>
+          <a:fontRef idx="minor">
+            <a:schemeClr val="tx1"/>
+          </a:fontRef>
+        </p:style>
+      </p:cxnSp>
+      <p:sp>
+        <p:nvSpPr>
+          <p:cNvPr id="3" name="직사각형 2">
+            <a:extLst>
+              <a:ext uri="{FF2B5EF4-FFF2-40B4-BE49-F238E27FC236}">
+                <a16:creationId xmlns:a16="http://schemas.microsoft.com/office/drawing/2014/main" id="{70A3CCA5-D010-24F9-56FB-5C7A2114728C}"/>
+              </a:ext>
+            </a:extLst>
+          </p:cNvPr>
+          <p:cNvSpPr/>
+          <p:nvPr/>
+        </p:nvSpPr>
+        <p:spPr>
+          <a:xfrm>
+            <a:off x="2091267" y="3101615"/>
+            <a:ext cx="960121" cy="780572"/>
+          </a:xfrm>
+          <a:prstGeom prst="rect">
+            <a:avLst/>
+          </a:prstGeom>
+          <a:ln w="38100"/>
+        </p:spPr>
+        <p:style>
+          <a:lnRef idx="2">
+            <a:schemeClr val="accent1">
+              <a:shade val="15000"/>
+            </a:schemeClr>
+          </a:lnRef>
+          <a:fillRef idx="1">
+            <a:schemeClr val="accent1"/>
+          </a:fillRef>
+          <a:effectRef idx="0">
+            <a:schemeClr val="accent1"/>
+          </a:effectRef>
+          <a:fontRef idx="minor">
+            <a:schemeClr val="lt1"/>
+          </a:fontRef>
+        </p:style>
+        <p:txBody>
+          <a:bodyPr rtlCol="0" anchor="ctr"/>
+          <a:lstStyle/>
+          <a:p>
+            <a:pPr algn="ctr"/>
+            <a:r>
+              <a:rPr lang="en-US" altLang="ko-KR" sz="1600" dirty="0"/>
+              <a:t>Work4</a:t>
+            </a:r>
+            <a:endParaRPr lang="ko-KR" altLang="en-US" sz="1600" dirty="0"/>
+          </a:p>
+        </p:txBody>
+      </p:sp>
+      <p:sp>
+        <p:nvSpPr>
+          <p:cNvPr id="7" name="직사각형 6">
+            <a:extLst>
+              <a:ext uri="{FF2B5EF4-FFF2-40B4-BE49-F238E27FC236}">
+                <a16:creationId xmlns:a16="http://schemas.microsoft.com/office/drawing/2014/main" id="{9802E0FE-F943-8EFA-8981-F9856952D38C}"/>
+              </a:ext>
+            </a:extLst>
+          </p:cNvPr>
+          <p:cNvSpPr/>
+          <p:nvPr/>
+        </p:nvSpPr>
+        <p:spPr>
+          <a:xfrm>
+            <a:off x="4656949" y="3101615"/>
+            <a:ext cx="960121" cy="780572"/>
+          </a:xfrm>
+          <a:prstGeom prst="rect">
+            <a:avLst/>
+          </a:prstGeom>
+          <a:ln w="38100"/>
+        </p:spPr>
+        <p:style>
+          <a:lnRef idx="2">
+            <a:schemeClr val="accent1">
+              <a:shade val="15000"/>
+            </a:schemeClr>
+          </a:lnRef>
+          <a:fillRef idx="1">
+            <a:schemeClr val="accent1"/>
+          </a:fillRef>
+          <a:effectRef idx="0">
+            <a:schemeClr val="accent1"/>
+          </a:effectRef>
+          <a:fontRef idx="minor">
+            <a:schemeClr val="lt1"/>
+          </a:fontRef>
+        </p:style>
+        <p:txBody>
+          <a:bodyPr rtlCol="0" anchor="ctr"/>
+          <a:lstStyle/>
+          <a:p>
+            <a:pPr algn="ctr"/>
+            <a:r>
+              <a:rPr lang="en-US" altLang="ko-KR" sz="1600" dirty="0"/>
+              <a:t>Work5</a:t>
+            </a:r>
+            <a:endParaRPr lang="ko-KR" altLang="en-US" sz="1600" dirty="0"/>
+          </a:p>
+        </p:txBody>
+      </p:sp>
+      <p:sp>
+        <p:nvSpPr>
+          <p:cNvPr id="10" name="직사각형 9">
+            <a:extLst>
+              <a:ext uri="{FF2B5EF4-FFF2-40B4-BE49-F238E27FC236}">
+                <a16:creationId xmlns:a16="http://schemas.microsoft.com/office/drawing/2014/main" id="{36CD82C9-45F1-3529-8B51-106BC5884C4A}"/>
+              </a:ext>
+            </a:extLst>
+          </p:cNvPr>
+          <p:cNvSpPr/>
+          <p:nvPr/>
+        </p:nvSpPr>
+        <p:spPr>
+          <a:xfrm>
+            <a:off x="7222631" y="3102181"/>
+            <a:ext cx="960121" cy="780572"/>
+          </a:xfrm>
+          <a:prstGeom prst="rect">
+            <a:avLst/>
+          </a:prstGeom>
+          <a:ln w="38100"/>
+        </p:spPr>
+        <p:style>
+          <a:lnRef idx="2">
+            <a:schemeClr val="accent1">
+              <a:shade val="15000"/>
+            </a:schemeClr>
+          </a:lnRef>
+          <a:fillRef idx="1">
+            <a:schemeClr val="accent1"/>
+          </a:fillRef>
+          <a:effectRef idx="0">
+            <a:schemeClr val="accent1"/>
+          </a:effectRef>
+          <a:fontRef idx="minor">
+            <a:schemeClr val="lt1"/>
+          </a:fontRef>
+        </p:style>
+        <p:txBody>
+          <a:bodyPr rtlCol="0" anchor="ctr"/>
+          <a:lstStyle/>
+          <a:p>
+            <a:pPr algn="ctr"/>
+            <a:r>
+              <a:rPr lang="en-US" altLang="ko-KR" sz="1600" dirty="0"/>
+              <a:t>Work6</a:t>
+            </a:r>
+            <a:endParaRPr lang="ko-KR" altLang="en-US" sz="1600" dirty="0"/>
+          </a:p>
+        </p:txBody>
+      </p:sp>
+      <p:cxnSp>
+        <p:nvCxnSpPr>
+          <p:cNvPr id="11" name="직선 화살표 연결선 10">
+            <a:extLst>
+              <a:ext uri="{FF2B5EF4-FFF2-40B4-BE49-F238E27FC236}">
+                <a16:creationId xmlns:a16="http://schemas.microsoft.com/office/drawing/2014/main" id="{45F20D90-C396-F4A7-D3BC-3D1BBF5D49C3}"/>
+              </a:ext>
+            </a:extLst>
+          </p:cNvPr>
+          <p:cNvCxnSpPr>
+            <a:stCxn id="3" idx="3"/>
+            <a:endCxn id="7" idx="1"/>
+          </p:cNvCxnSpPr>
+          <p:nvPr/>
+        </p:nvCxnSpPr>
+        <p:spPr>
+          <a:xfrm>
+            <a:off x="3051388" y="3491901"/>
+            <a:ext cx="1605561" cy="0"/>
+          </a:xfrm>
+          <a:prstGeom prst="straightConnector1">
+            <a:avLst/>
+          </a:prstGeom>
+          <a:ln w="38100">
+            <a:headEnd type="diamond" w="med" len="med"/>
+            <a:tailEnd type="triangle" w="med" len="med"/>
+          </a:ln>
+        </p:spPr>
+        <p:style>
+          <a:lnRef idx="1">
+            <a:schemeClr val="accent1"/>
+          </a:lnRef>
+          <a:fillRef idx="0">
+            <a:schemeClr val="accent1"/>
+          </a:fillRef>
+          <a:effectRef idx="0">
+            <a:schemeClr val="accent1"/>
+          </a:effectRef>
+          <a:fontRef idx="minor">
+            <a:schemeClr val="tx1"/>
+          </a:fontRef>
+        </p:style>
+      </p:cxnSp>
+      <p:cxnSp>
+        <p:nvCxnSpPr>
+          <p:cNvPr id="12" name="직선 화살표 연결선 11">
+            <a:extLst>
+              <a:ext uri="{FF2B5EF4-FFF2-40B4-BE49-F238E27FC236}">
+                <a16:creationId xmlns:a16="http://schemas.microsoft.com/office/drawing/2014/main" id="{5CEBF134-EBEA-4D58-432D-7AC4B8104143}"/>
+              </a:ext>
+            </a:extLst>
+          </p:cNvPr>
+          <p:cNvCxnSpPr>
+            <a:cxnSpLocks/>
+            <a:stCxn id="7" idx="3"/>
+            <a:endCxn id="10" idx="1"/>
+          </p:cNvCxnSpPr>
+          <p:nvPr/>
+        </p:nvCxnSpPr>
+        <p:spPr>
+          <a:xfrm>
+            <a:off x="5617070" y="3491901"/>
+            <a:ext cx="1605561" cy="566"/>
+          </a:xfrm>
+          <a:prstGeom prst="straightConnector1">
+            <a:avLst/>
+          </a:prstGeom>
+          <a:ln w="38100">
+            <a:headEnd type="diamond" w="med" len="med"/>
+            <a:tailEnd type="triangle" w="med" len="med"/>
+          </a:ln>
+        </p:spPr>
+        <p:style>
+          <a:lnRef idx="1">
+            <a:schemeClr val="accent1"/>
+          </a:lnRef>
+          <a:fillRef idx="0">
+            <a:schemeClr val="accent1"/>
+          </a:fillRef>
+          <a:effectRef idx="0">
+            <a:schemeClr val="accent1"/>
+          </a:effectRef>
+          <a:fontRef idx="minor">
+            <a:schemeClr val="tx1"/>
+          </a:fontRef>
+        </p:style>
+      </p:cxnSp>
+      <p:sp>
+        <p:nvSpPr>
+          <p:cNvPr id="13" name="직사각형 12">
+            <a:extLst>
+              <a:ext uri="{FF2B5EF4-FFF2-40B4-BE49-F238E27FC236}">
+                <a16:creationId xmlns:a16="http://schemas.microsoft.com/office/drawing/2014/main" id="{226D3E71-6AA7-8CE3-6752-2F2F7D4169B5}"/>
+              </a:ext>
+            </a:extLst>
+          </p:cNvPr>
+          <p:cNvSpPr/>
+          <p:nvPr/>
+        </p:nvSpPr>
+        <p:spPr>
+          <a:xfrm>
+            <a:off x="3344334" y="4336401"/>
+            <a:ext cx="960121" cy="780572"/>
+          </a:xfrm>
+          <a:prstGeom prst="rect">
+            <a:avLst/>
+          </a:prstGeom>
+          <a:ln w="38100"/>
+        </p:spPr>
+        <p:style>
+          <a:lnRef idx="2">
+            <a:schemeClr val="accent1">
+              <a:shade val="15000"/>
+            </a:schemeClr>
+          </a:lnRef>
+          <a:fillRef idx="1">
+            <a:schemeClr val="accent1"/>
+          </a:fillRef>
+          <a:effectRef idx="0">
+            <a:schemeClr val="accent1"/>
+          </a:effectRef>
+          <a:fontRef idx="minor">
+            <a:schemeClr val="lt1"/>
+          </a:fontRef>
+        </p:style>
+        <p:txBody>
+          <a:bodyPr rtlCol="0" anchor="ctr"/>
+          <a:lstStyle/>
+          <a:p>
+            <a:pPr algn="ctr"/>
+            <a:r>
+              <a:rPr lang="en-US" altLang="ko-KR" sz="1600" dirty="0"/>
+              <a:t>Work7</a:t>
+            </a:r>
+            <a:endParaRPr lang="ko-KR" altLang="en-US" sz="1600" dirty="0"/>
+          </a:p>
+        </p:txBody>
+      </p:sp>
+      <p:sp>
+        <p:nvSpPr>
+          <p:cNvPr id="14" name="직사각형 13">
+            <a:extLst>
+              <a:ext uri="{FF2B5EF4-FFF2-40B4-BE49-F238E27FC236}">
+                <a16:creationId xmlns:a16="http://schemas.microsoft.com/office/drawing/2014/main" id="{94B939A6-A7FB-7995-BD60-A0412EBB42DA}"/>
+              </a:ext>
+            </a:extLst>
+          </p:cNvPr>
+          <p:cNvSpPr/>
+          <p:nvPr/>
+        </p:nvSpPr>
+        <p:spPr>
+          <a:xfrm>
+            <a:off x="5910016" y="4336401"/>
+            <a:ext cx="960121" cy="780572"/>
+          </a:xfrm>
+          <a:prstGeom prst="rect">
+            <a:avLst/>
+          </a:prstGeom>
+          <a:ln w="38100"/>
+        </p:spPr>
+        <p:style>
+          <a:lnRef idx="2">
+            <a:schemeClr val="accent1">
+              <a:shade val="15000"/>
+            </a:schemeClr>
+          </a:lnRef>
+          <a:fillRef idx="1">
+            <a:schemeClr val="accent1"/>
+          </a:fillRef>
+          <a:effectRef idx="0">
+            <a:schemeClr val="accent1"/>
+          </a:effectRef>
+          <a:fontRef idx="minor">
+            <a:schemeClr val="lt1"/>
+          </a:fontRef>
+        </p:style>
+        <p:txBody>
+          <a:bodyPr rtlCol="0" anchor="ctr"/>
+          <a:lstStyle/>
+          <a:p>
+            <a:pPr algn="ctr"/>
+            <a:r>
+              <a:rPr lang="en-US" altLang="ko-KR" sz="1600" dirty="0"/>
+              <a:t>Work8</a:t>
+            </a:r>
+            <a:endParaRPr lang="ko-KR" altLang="en-US" sz="1600" dirty="0"/>
+          </a:p>
+        </p:txBody>
+      </p:sp>
+      <p:sp>
+        <p:nvSpPr>
+          <p:cNvPr id="16" name="직사각형 15">
+            <a:extLst>
+              <a:ext uri="{FF2B5EF4-FFF2-40B4-BE49-F238E27FC236}">
+                <a16:creationId xmlns:a16="http://schemas.microsoft.com/office/drawing/2014/main" id="{3C89C977-17EE-E49F-A94F-2F3095D90C5C}"/>
+              </a:ext>
+            </a:extLst>
+          </p:cNvPr>
+          <p:cNvSpPr/>
+          <p:nvPr/>
+        </p:nvSpPr>
+        <p:spPr>
+          <a:xfrm>
+            <a:off x="8475698" y="4336967"/>
+            <a:ext cx="960121" cy="780572"/>
+          </a:xfrm>
+          <a:prstGeom prst="rect">
+            <a:avLst/>
+          </a:prstGeom>
+          <a:ln w="38100"/>
+        </p:spPr>
+        <p:style>
+          <a:lnRef idx="2">
+            <a:schemeClr val="accent1">
+              <a:shade val="15000"/>
+            </a:schemeClr>
+          </a:lnRef>
+          <a:fillRef idx="1">
+            <a:schemeClr val="accent1"/>
+          </a:fillRef>
+          <a:effectRef idx="0">
+            <a:schemeClr val="accent1"/>
+          </a:effectRef>
+          <a:fontRef idx="minor">
+            <a:schemeClr val="lt1"/>
+          </a:fontRef>
+        </p:style>
+        <p:txBody>
+          <a:bodyPr rtlCol="0" anchor="ctr"/>
+          <a:lstStyle/>
+          <a:p>
+            <a:pPr algn="ctr"/>
+            <a:r>
+              <a:rPr lang="en-US" altLang="ko-KR" sz="1600" dirty="0"/>
+              <a:t>Work9</a:t>
+            </a:r>
+            <a:endParaRPr lang="ko-KR" altLang="en-US" sz="1600" dirty="0"/>
+          </a:p>
+        </p:txBody>
+      </p:sp>
+      <p:cxnSp>
+        <p:nvCxnSpPr>
+          <p:cNvPr id="18" name="직선 화살표 연결선 17">
+            <a:extLst>
+              <a:ext uri="{FF2B5EF4-FFF2-40B4-BE49-F238E27FC236}">
+                <a16:creationId xmlns:a16="http://schemas.microsoft.com/office/drawing/2014/main" id="{6E1C5198-82E8-E4CD-ABCB-762771EA8499}"/>
+              </a:ext>
+            </a:extLst>
+          </p:cNvPr>
+          <p:cNvCxnSpPr>
+            <a:stCxn id="13" idx="3"/>
+            <a:endCxn id="14" idx="1"/>
+          </p:cNvCxnSpPr>
+          <p:nvPr/>
+        </p:nvCxnSpPr>
+        <p:spPr>
+          <a:xfrm>
+            <a:off x="4304455" y="4726687"/>
+            <a:ext cx="1605561" cy="0"/>
+          </a:xfrm>
+          <a:prstGeom prst="straightConnector1">
+            <a:avLst/>
+          </a:prstGeom>
+          <a:ln w="38100">
+            <a:headEnd type="diamond" w="med" len="med"/>
+            <a:tailEnd type="triangle" w="med" len="med"/>
+          </a:ln>
+        </p:spPr>
+        <p:style>
+          <a:lnRef idx="1">
+            <a:schemeClr val="accent1"/>
+          </a:lnRef>
+          <a:fillRef idx="0">
+            <a:schemeClr val="accent1"/>
+          </a:fillRef>
+          <a:effectRef idx="0">
+            <a:schemeClr val="accent1"/>
+          </a:effectRef>
+          <a:fontRef idx="minor">
+            <a:schemeClr val="tx1"/>
+          </a:fontRef>
+        </p:style>
+      </p:cxnSp>
+      <p:cxnSp>
+        <p:nvCxnSpPr>
+          <p:cNvPr id="19" name="직선 화살표 연결선 18">
+            <a:extLst>
+              <a:ext uri="{FF2B5EF4-FFF2-40B4-BE49-F238E27FC236}">
+                <a16:creationId xmlns:a16="http://schemas.microsoft.com/office/drawing/2014/main" id="{410C715F-D1A0-5365-6C87-6E1D41A40DB4}"/>
+              </a:ext>
+            </a:extLst>
+          </p:cNvPr>
+          <p:cNvCxnSpPr>
+            <a:cxnSpLocks/>
+            <a:stCxn id="14" idx="3"/>
+            <a:endCxn id="16" idx="1"/>
+          </p:cNvCxnSpPr>
+          <p:nvPr/>
+        </p:nvCxnSpPr>
+        <p:spPr>
+          <a:xfrm>
+            <a:off x="6870137" y="4726687"/>
+            <a:ext cx="1605561" cy="566"/>
+          </a:xfrm>
+          <a:prstGeom prst="straightConnector1">
+            <a:avLst/>
+          </a:prstGeom>
+          <a:ln w="38100">
+            <a:headEnd type="diamond" w="med" len="med"/>
+            <a:tailEnd type="triangle" w="med" len="med"/>
+          </a:ln>
+        </p:spPr>
+        <p:style>
+          <a:lnRef idx="1">
+            <a:schemeClr val="accent1"/>
+          </a:lnRef>
+          <a:fillRef idx="0">
+            <a:schemeClr val="accent1"/>
+          </a:fillRef>
+          <a:effectRef idx="0">
+            <a:schemeClr val="accent1"/>
+          </a:effectRef>
+          <a:fontRef idx="minor">
+            <a:schemeClr val="tx1"/>
+          </a:fontRef>
+        </p:style>
+      </p:cxnSp>
+      <p:sp>
+        <p:nvSpPr>
+          <p:cNvPr id="20" name="직사각형 19">
+            <a:extLst>
+              <a:ext uri="{FF2B5EF4-FFF2-40B4-BE49-F238E27FC236}">
+                <a16:creationId xmlns:a16="http://schemas.microsoft.com/office/drawing/2014/main" id="{4508EE10-93BC-935C-A7CF-C3F9C583145A}"/>
+              </a:ext>
+            </a:extLst>
+          </p:cNvPr>
+          <p:cNvSpPr/>
+          <p:nvPr/>
+        </p:nvSpPr>
+        <p:spPr>
+          <a:xfrm>
+            <a:off x="4656949" y="5530762"/>
+            <a:ext cx="960121" cy="780572"/>
+          </a:xfrm>
+          <a:prstGeom prst="rect">
+            <a:avLst/>
+          </a:prstGeom>
+          <a:ln w="38100"/>
+        </p:spPr>
+        <p:style>
+          <a:lnRef idx="2">
+            <a:schemeClr val="accent1">
+              <a:shade val="15000"/>
+            </a:schemeClr>
+          </a:lnRef>
+          <a:fillRef idx="1">
+            <a:schemeClr val="accent1"/>
+          </a:fillRef>
+          <a:effectRef idx="0">
+            <a:schemeClr val="accent1"/>
+          </a:effectRef>
+          <a:fontRef idx="minor">
+            <a:schemeClr val="lt1"/>
+          </a:fontRef>
+        </p:style>
+        <p:txBody>
+          <a:bodyPr rtlCol="0" anchor="ctr"/>
+          <a:lstStyle/>
+          <a:p>
+            <a:pPr algn="ctr"/>
+            <a:r>
+              <a:rPr lang="en-US" altLang="ko-KR" sz="1600" dirty="0"/>
+              <a:t>Work10</a:t>
+            </a:r>
+            <a:endParaRPr lang="ko-KR" altLang="en-US" sz="1600" dirty="0"/>
+          </a:p>
+        </p:txBody>
+      </p:sp>
+      <p:sp>
+        <p:nvSpPr>
+          <p:cNvPr id="21" name="직사각형 20">
+            <a:extLst>
+              <a:ext uri="{FF2B5EF4-FFF2-40B4-BE49-F238E27FC236}">
+                <a16:creationId xmlns:a16="http://schemas.microsoft.com/office/drawing/2014/main" id="{77099248-029E-C4EC-834F-70DB5E957120}"/>
+              </a:ext>
+            </a:extLst>
+          </p:cNvPr>
+          <p:cNvSpPr/>
+          <p:nvPr/>
+        </p:nvSpPr>
+        <p:spPr>
+          <a:xfrm>
+            <a:off x="7222631" y="5530762"/>
+            <a:ext cx="960121" cy="780572"/>
+          </a:xfrm>
+          <a:prstGeom prst="rect">
+            <a:avLst/>
+          </a:prstGeom>
+          <a:ln w="38100"/>
+        </p:spPr>
+        <p:style>
+          <a:lnRef idx="2">
+            <a:schemeClr val="accent1">
+              <a:shade val="15000"/>
+            </a:schemeClr>
+          </a:lnRef>
+          <a:fillRef idx="1">
+            <a:schemeClr val="accent1"/>
+          </a:fillRef>
+          <a:effectRef idx="0">
+            <a:schemeClr val="accent1"/>
+          </a:effectRef>
+          <a:fontRef idx="minor">
+            <a:schemeClr val="lt1"/>
+          </a:fontRef>
+        </p:style>
+        <p:txBody>
+          <a:bodyPr rtlCol="0" anchor="ctr"/>
+          <a:lstStyle/>
+          <a:p>
+            <a:pPr algn="ctr"/>
+            <a:r>
+              <a:rPr lang="en-US" altLang="ko-KR" sz="1600" dirty="0"/>
+              <a:t>Work11</a:t>
+            </a:r>
+            <a:endParaRPr lang="ko-KR" altLang="en-US" sz="1600" dirty="0"/>
+          </a:p>
+        </p:txBody>
+      </p:sp>
+      <p:sp>
+        <p:nvSpPr>
+          <p:cNvPr id="22" name="직사각형 21">
+            <a:extLst>
+              <a:ext uri="{FF2B5EF4-FFF2-40B4-BE49-F238E27FC236}">
+                <a16:creationId xmlns:a16="http://schemas.microsoft.com/office/drawing/2014/main" id="{B83375C1-3654-E6DA-BC32-9F22C7D49F74}"/>
+              </a:ext>
+            </a:extLst>
+          </p:cNvPr>
+          <p:cNvSpPr/>
+          <p:nvPr/>
+        </p:nvSpPr>
+        <p:spPr>
+          <a:xfrm>
+            <a:off x="9788313" y="5531328"/>
+            <a:ext cx="960121" cy="780572"/>
+          </a:xfrm>
+          <a:prstGeom prst="rect">
+            <a:avLst/>
+          </a:prstGeom>
+          <a:ln w="38100"/>
+        </p:spPr>
+        <p:style>
+          <a:lnRef idx="2">
+            <a:schemeClr val="accent1">
+              <a:shade val="15000"/>
+            </a:schemeClr>
+          </a:lnRef>
+          <a:fillRef idx="1">
+            <a:schemeClr val="accent1"/>
+          </a:fillRef>
+          <a:effectRef idx="0">
+            <a:schemeClr val="accent1"/>
+          </a:effectRef>
+          <a:fontRef idx="minor">
+            <a:schemeClr val="lt1"/>
+          </a:fontRef>
+        </p:style>
+        <p:txBody>
+          <a:bodyPr rtlCol="0" anchor="ctr"/>
+          <a:lstStyle/>
+          <a:p>
+            <a:pPr algn="ctr"/>
+            <a:r>
+              <a:rPr lang="en-US" altLang="ko-KR" sz="1600" dirty="0"/>
+              <a:t>Work12</a:t>
+            </a:r>
+            <a:endParaRPr lang="ko-KR" altLang="en-US" sz="1600" dirty="0"/>
+          </a:p>
+        </p:txBody>
+      </p:sp>
+      <p:cxnSp>
+        <p:nvCxnSpPr>
+          <p:cNvPr id="23" name="직선 화살표 연결선 22">
+            <a:extLst>
+              <a:ext uri="{FF2B5EF4-FFF2-40B4-BE49-F238E27FC236}">
+                <a16:creationId xmlns:a16="http://schemas.microsoft.com/office/drawing/2014/main" id="{3C683CEC-3E89-CDC6-72F0-5C681631149D}"/>
+              </a:ext>
+            </a:extLst>
+          </p:cNvPr>
+          <p:cNvCxnSpPr>
+            <a:stCxn id="20" idx="3"/>
+            <a:endCxn id="21" idx="1"/>
+          </p:cNvCxnSpPr>
+          <p:nvPr/>
+        </p:nvCxnSpPr>
+        <p:spPr>
+          <a:xfrm>
+            <a:off x="5617070" y="5921048"/>
+            <a:ext cx="1605561" cy="0"/>
+          </a:xfrm>
+          <a:prstGeom prst="straightConnector1">
+            <a:avLst/>
+          </a:prstGeom>
+          <a:ln w="38100">
+            <a:headEnd type="diamond" w="med" len="med"/>
+            <a:tailEnd type="triangle" w="med" len="med"/>
+          </a:ln>
+        </p:spPr>
+        <p:style>
+          <a:lnRef idx="1">
+            <a:schemeClr val="accent1"/>
+          </a:lnRef>
+          <a:fillRef idx="0">
+            <a:schemeClr val="accent1"/>
+          </a:fillRef>
+          <a:effectRef idx="0">
+            <a:schemeClr val="accent1"/>
+          </a:effectRef>
+          <a:fontRef idx="minor">
+            <a:schemeClr val="tx1"/>
+          </a:fontRef>
+        </p:style>
+      </p:cxnSp>
+      <p:cxnSp>
+        <p:nvCxnSpPr>
+          <p:cNvPr id="24" name="직선 화살표 연결선 23">
+            <a:extLst>
+              <a:ext uri="{FF2B5EF4-FFF2-40B4-BE49-F238E27FC236}">
+                <a16:creationId xmlns:a16="http://schemas.microsoft.com/office/drawing/2014/main" id="{DA477E14-7FEC-059A-78C1-D0E2F3C1E136}"/>
+              </a:ext>
+            </a:extLst>
+          </p:cNvPr>
+          <p:cNvCxnSpPr>
+            <a:cxnSpLocks/>
+            <a:stCxn id="21" idx="3"/>
+            <a:endCxn id="22" idx="1"/>
+          </p:cNvCxnSpPr>
+          <p:nvPr/>
+        </p:nvCxnSpPr>
+        <p:spPr>
+          <a:xfrm>
+            <a:off x="8182752" y="5921048"/>
+            <a:ext cx="1605561" cy="566"/>
+          </a:xfrm>
+          <a:prstGeom prst="straightConnector1">
+            <a:avLst/>
+          </a:prstGeom>
+          <a:ln w="38100">
+            <a:headEnd type="diamond" w="med" len="med"/>
+            <a:tailEnd type="triangle" w="med" len="med"/>
+          </a:ln>
+        </p:spPr>
+        <p:style>
+          <a:lnRef idx="1">
+            <a:schemeClr val="accent1"/>
+          </a:lnRef>
+          <a:fillRef idx="0">
+            <a:schemeClr val="accent1"/>
+          </a:fillRef>
+          <a:effectRef idx="0">
+            <a:schemeClr val="accent1"/>
+          </a:effectRef>
+          <a:fontRef idx="minor">
+            <a:schemeClr val="tx1"/>
+          </a:fontRef>
+        </p:style>
+      </p:cxnSp>
+      <p:cxnSp>
+        <p:nvCxnSpPr>
+          <p:cNvPr id="26" name="연결선: 꺾임 25">
+            <a:extLst>
+              <a:ext uri="{FF2B5EF4-FFF2-40B4-BE49-F238E27FC236}">
+                <a16:creationId xmlns:a16="http://schemas.microsoft.com/office/drawing/2014/main" id="{6765A064-FB1B-BC69-A84C-C76D25F7E05F}"/>
+              </a:ext>
+            </a:extLst>
+          </p:cNvPr>
+          <p:cNvCxnSpPr>
+            <a:stCxn id="6" idx="3"/>
+            <a:endCxn id="3" idx="0"/>
+          </p:cNvCxnSpPr>
+          <p:nvPr/>
+        </p:nvCxnSpPr>
+        <p:spPr>
+          <a:xfrm flipH="1">
+            <a:off x="2571328" y="2289322"/>
+            <a:ext cx="4358357" cy="812293"/>
+          </a:xfrm>
+          <a:prstGeom prst="bentConnector4">
+            <a:avLst>
+              <a:gd name="adj1" fmla="val -5245"/>
+              <a:gd name="adj2" fmla="val 74024"/>
+            </a:avLst>
+          </a:prstGeom>
+          <a:ln w="38100">
+            <a:headEnd type="diamond" w="med" len="med"/>
+            <a:tailEnd type="triangle" w="med" len="med"/>
+          </a:ln>
+        </p:spPr>
+        <p:style>
+          <a:lnRef idx="1">
+            <a:schemeClr val="accent1"/>
+          </a:lnRef>
+          <a:fillRef idx="0">
+            <a:schemeClr val="accent1"/>
+          </a:fillRef>
+          <a:effectRef idx="0">
+            <a:schemeClr val="accent1"/>
+          </a:effectRef>
+          <a:fontRef idx="minor">
+            <a:schemeClr val="tx1"/>
+          </a:fontRef>
+        </p:style>
+      </p:cxnSp>
+      <p:cxnSp>
+        <p:nvCxnSpPr>
+          <p:cNvPr id="27" name="연결선: 꺾임 26">
+            <a:extLst>
+              <a:ext uri="{FF2B5EF4-FFF2-40B4-BE49-F238E27FC236}">
+                <a16:creationId xmlns:a16="http://schemas.microsoft.com/office/drawing/2014/main" id="{21A50667-E7B9-0C07-C783-6F975FE0A710}"/>
+              </a:ext>
+            </a:extLst>
+          </p:cNvPr>
+          <p:cNvCxnSpPr>
+            <a:cxnSpLocks/>
+            <a:stCxn id="10" idx="3"/>
+            <a:endCxn id="13" idx="0"/>
+          </p:cNvCxnSpPr>
+          <p:nvPr/>
+        </p:nvCxnSpPr>
+        <p:spPr>
+          <a:xfrm flipH="1">
+            <a:off x="3824395" y="3492467"/>
+            <a:ext cx="4358357" cy="843934"/>
+          </a:xfrm>
+          <a:prstGeom prst="bentConnector4">
+            <a:avLst>
+              <a:gd name="adj1" fmla="val -5245"/>
+              <a:gd name="adj2" fmla="val 73123"/>
+            </a:avLst>
+          </a:prstGeom>
+          <a:ln w="38100">
+            <a:headEnd type="diamond" w="med" len="med"/>
+            <a:tailEnd type="triangle" w="med" len="med"/>
+          </a:ln>
+        </p:spPr>
+        <p:style>
+          <a:lnRef idx="1">
+            <a:schemeClr val="accent1"/>
+          </a:lnRef>
+          <a:fillRef idx="0">
+            <a:schemeClr val="accent1"/>
+          </a:fillRef>
+          <a:effectRef idx="0">
+            <a:schemeClr val="accent1"/>
+          </a:effectRef>
+          <a:fontRef idx="minor">
+            <a:schemeClr val="tx1"/>
+          </a:fontRef>
+        </p:style>
+      </p:cxnSp>
+      <p:cxnSp>
+        <p:nvCxnSpPr>
+          <p:cNvPr id="30" name="연결선: 꺾임 29">
+            <a:extLst>
+              <a:ext uri="{FF2B5EF4-FFF2-40B4-BE49-F238E27FC236}">
+                <a16:creationId xmlns:a16="http://schemas.microsoft.com/office/drawing/2014/main" id="{0DDA9C9F-47CC-BA4F-6C3E-7D3F75E0E6CE}"/>
+              </a:ext>
+            </a:extLst>
+          </p:cNvPr>
+          <p:cNvCxnSpPr>
+            <a:cxnSpLocks/>
+            <a:stCxn id="16" idx="3"/>
+            <a:endCxn id="20" idx="0"/>
+          </p:cNvCxnSpPr>
+          <p:nvPr/>
+        </p:nvCxnSpPr>
+        <p:spPr>
+          <a:xfrm flipH="1">
+            <a:off x="5137010" y="4727253"/>
+            <a:ext cx="4298809" cy="803509"/>
+          </a:xfrm>
+          <a:prstGeom prst="bentConnector4">
+            <a:avLst>
+              <a:gd name="adj1" fmla="val -5318"/>
+              <a:gd name="adj2" fmla="val 74286"/>
+            </a:avLst>
+          </a:prstGeom>
+          <a:ln w="38100">
+            <a:headEnd type="diamond" w="med" len="med"/>
+            <a:tailEnd type="triangle" w="med" len="med"/>
+          </a:ln>
+        </p:spPr>
+        <p:style>
+          <a:lnRef idx="1">
+            <a:schemeClr val="accent1"/>
+          </a:lnRef>
+          <a:fillRef idx="0">
+            <a:schemeClr val="accent1"/>
+          </a:fillRef>
+          <a:effectRef idx="0">
+            <a:schemeClr val="accent1"/>
+          </a:effectRef>
+          <a:fontRef idx="minor">
+            <a:schemeClr val="tx1"/>
+          </a:fontRef>
+        </p:style>
+      </p:cxnSp>
+    </p:spTree>
+    <p:extLst>
+      <p:ext uri="{BB962C8B-B14F-4D97-AF65-F5344CB8AC3E}">
+        <p14:creationId xmlns:p14="http://schemas.microsoft.com/office/powerpoint/2010/main" val="880881340"/>
+      </p:ext>
+    </p:extLst>
+  </p:cSld>
+  <p:clrMapOvr>
+    <a:masterClrMapping/>
+  </p:clrMapOvr>
+</p:sld>
+</file>
+
+<file path=ppt/slides/slide7.xml><?xml version="1.0" encoding="utf-8"?>
+<p:sld xmlns:a="http://schemas.openxmlformats.org/drawingml/2006/main" xmlns:r="http://schemas.openxmlformats.org/officeDocument/2006/relationships" xmlns:p="http://schemas.openxmlformats.org/presentationml/2006/main">
+  <p:cSld>
+    <p:spTree>
+      <p:nvGrpSpPr>
+        <p:cNvPr id="1" name=""/>
+        <p:cNvGrpSpPr/>
+        <p:nvPr/>
+      </p:nvGrpSpPr>
+      <p:grpSpPr>
+        <a:xfrm>
+          <a:off x="0" y="0"/>
+          <a:ext cx="0" cy="0"/>
+          <a:chOff x="0" y="0"/>
+          <a:chExt cx="0" cy="0"/>
+        </a:xfrm>
+      </p:grpSpPr>
+      <p:sp>
+        <p:nvSpPr>
+          <p:cNvPr id="2" name="제목 1">
+            <a:extLst>
+              <a:ext uri="{FF2B5EF4-FFF2-40B4-BE49-F238E27FC236}">
+                <a16:creationId xmlns:a16="http://schemas.microsoft.com/office/drawing/2014/main" id="{8BE1CF2B-ADCA-1E79-3906-8FC7C9C3D8E1}"/>
+              </a:ext>
+            </a:extLst>
+          </p:cNvPr>
+          <p:cNvSpPr>
+            <a:spLocks noGrp="1"/>
+          </p:cNvSpPr>
+          <p:nvPr>
+            <p:ph type="title"/>
+          </p:nvPr>
+        </p:nvSpPr>
+        <p:spPr/>
+        <p:txBody>
+          <a:bodyPr/>
+          <a:lstStyle/>
+          <a:p>
+            <a:r>
+              <a:rPr lang="en-US" altLang="ko-KR" dirty="0"/>
+              <a:t>Buff4</a:t>
+            </a:r>
+            <a:endParaRPr lang="ko-KR" altLang="en-US" dirty="0"/>
+          </a:p>
+        </p:txBody>
+      </p:sp>
+      <p:sp>
+        <p:nvSpPr>
+          <p:cNvPr id="4" name="직사각형 3">
+            <a:extLst>
+              <a:ext uri="{FF2B5EF4-FFF2-40B4-BE49-F238E27FC236}">
+                <a16:creationId xmlns:a16="http://schemas.microsoft.com/office/drawing/2014/main" id="{3E9EC067-8C3F-F232-89B5-634E5DAB4656}"/>
+              </a:ext>
+            </a:extLst>
+          </p:cNvPr>
+          <p:cNvSpPr/>
+          <p:nvPr/>
+        </p:nvSpPr>
+        <p:spPr>
+          <a:xfrm>
+            <a:off x="1037166" y="3162301"/>
+            <a:ext cx="1253067" cy="1049020"/>
+          </a:xfrm>
+          <a:prstGeom prst="rect">
+            <a:avLst/>
+          </a:prstGeom>
+          <a:ln w="57150"/>
+        </p:spPr>
+        <p:style>
+          <a:lnRef idx="2">
+            <a:schemeClr val="accent1">
+              <a:shade val="15000"/>
+            </a:schemeClr>
+          </a:lnRef>
+          <a:fillRef idx="1">
+            <a:schemeClr val="accent1"/>
+          </a:fillRef>
+          <a:effectRef idx="0">
+            <a:schemeClr val="accent1"/>
+          </a:effectRef>
+          <a:fontRef idx="minor">
+            <a:schemeClr val="lt1"/>
+          </a:fontRef>
+        </p:style>
+        <p:txBody>
+          <a:bodyPr rtlCol="0" anchor="ctr"/>
+          <a:lstStyle/>
+          <a:p>
+            <a:pPr algn="ctr"/>
+            <a:r>
+              <a:rPr lang="en-US" altLang="ko-KR" dirty="0"/>
+              <a:t>Buff1</a:t>
+            </a:r>
+            <a:endParaRPr lang="ko-KR" altLang="en-US" dirty="0"/>
+          </a:p>
+        </p:txBody>
+      </p:sp>
+      <p:sp>
+        <p:nvSpPr>
+          <p:cNvPr id="5" name="직사각형 4">
+            <a:extLst>
+              <a:ext uri="{FF2B5EF4-FFF2-40B4-BE49-F238E27FC236}">
+                <a16:creationId xmlns:a16="http://schemas.microsoft.com/office/drawing/2014/main" id="{83ADA363-800F-F401-0E12-0AD6A8622F05}"/>
+              </a:ext>
+            </a:extLst>
+          </p:cNvPr>
+          <p:cNvSpPr/>
+          <p:nvPr/>
+        </p:nvSpPr>
+        <p:spPr>
+          <a:xfrm>
+            <a:off x="3602848" y="3162301"/>
+            <a:ext cx="1253067" cy="1049020"/>
+          </a:xfrm>
+          <a:prstGeom prst="rect">
+            <a:avLst/>
+          </a:prstGeom>
+          <a:ln w="57150"/>
+        </p:spPr>
+        <p:style>
+          <a:lnRef idx="2">
+            <a:schemeClr val="accent1">
+              <a:shade val="15000"/>
+            </a:schemeClr>
+          </a:lnRef>
+          <a:fillRef idx="1">
+            <a:schemeClr val="accent1"/>
+          </a:fillRef>
+          <a:effectRef idx="0">
+            <a:schemeClr val="accent1"/>
+          </a:effectRef>
+          <a:fontRef idx="minor">
+            <a:schemeClr val="lt1"/>
+          </a:fontRef>
+        </p:style>
+        <p:txBody>
+          <a:bodyPr rtlCol="0" anchor="ctr"/>
+          <a:lstStyle/>
+          <a:p>
+            <a:pPr algn="ctr"/>
+            <a:r>
+              <a:rPr lang="en-US" altLang="ko-KR" dirty="0"/>
+              <a:t>Buff2</a:t>
+            </a:r>
+            <a:endParaRPr lang="ko-KR" altLang="en-US" dirty="0"/>
+          </a:p>
+        </p:txBody>
+      </p:sp>
+      <p:sp>
+        <p:nvSpPr>
+          <p:cNvPr id="6" name="직사각형 5">
+            <a:extLst>
+              <a:ext uri="{FF2B5EF4-FFF2-40B4-BE49-F238E27FC236}">
+                <a16:creationId xmlns:a16="http://schemas.microsoft.com/office/drawing/2014/main" id="{195E620E-2A07-291D-4F2C-1DA3125F3A12}"/>
+              </a:ext>
+            </a:extLst>
+          </p:cNvPr>
+          <p:cNvSpPr/>
+          <p:nvPr/>
+        </p:nvSpPr>
+        <p:spPr>
+          <a:xfrm>
+            <a:off x="6168530" y="3162867"/>
+            <a:ext cx="1253067" cy="1049020"/>
+          </a:xfrm>
+          <a:prstGeom prst="rect">
+            <a:avLst/>
+          </a:prstGeom>
+          <a:ln w="57150"/>
+        </p:spPr>
+        <p:style>
+          <a:lnRef idx="2">
+            <a:schemeClr val="accent1">
+              <a:shade val="15000"/>
+            </a:schemeClr>
+          </a:lnRef>
+          <a:fillRef idx="1">
+            <a:schemeClr val="accent1"/>
+          </a:fillRef>
+          <a:effectRef idx="0">
+            <a:schemeClr val="accent1"/>
+          </a:effectRef>
+          <a:fontRef idx="minor">
+            <a:schemeClr val="lt1"/>
+          </a:fontRef>
+        </p:style>
+        <p:txBody>
+          <a:bodyPr rtlCol="0" anchor="ctr"/>
+          <a:lstStyle/>
+          <a:p>
+            <a:pPr algn="ctr"/>
+            <a:r>
+              <a:rPr lang="en-US" altLang="ko-KR" dirty="0"/>
+              <a:t>Buff3</a:t>
+            </a:r>
+            <a:endParaRPr lang="ko-KR" altLang="en-US" dirty="0"/>
+          </a:p>
+        </p:txBody>
+      </p:sp>
+      <p:cxnSp>
+        <p:nvCxnSpPr>
+          <p:cNvPr id="8" name="직선 화살표 연결선 7">
+            <a:extLst>
+              <a:ext uri="{FF2B5EF4-FFF2-40B4-BE49-F238E27FC236}">
+                <a16:creationId xmlns:a16="http://schemas.microsoft.com/office/drawing/2014/main" id="{8B421630-D904-8C6A-EC7B-4C46E691831F}"/>
+              </a:ext>
+            </a:extLst>
+          </p:cNvPr>
+          <p:cNvCxnSpPr>
+            <a:cxnSpLocks/>
+            <a:stCxn id="4" idx="3"/>
+            <a:endCxn id="5" idx="1"/>
+          </p:cNvCxnSpPr>
+          <p:nvPr/>
+        </p:nvCxnSpPr>
+        <p:spPr>
+          <a:xfrm>
+            <a:off x="2290233" y="3686811"/>
+            <a:ext cx="1312615" cy="0"/>
+          </a:xfrm>
+          <a:prstGeom prst="straightConnector1">
+            <a:avLst/>
+          </a:prstGeom>
+          <a:ln w="57150">
+            <a:headEnd type="oval" w="med" len="med"/>
+            <a:tailEnd type="triangle" w="med" len="med"/>
+          </a:ln>
+        </p:spPr>
+        <p:style>
+          <a:lnRef idx="1">
+            <a:schemeClr val="accent1"/>
+          </a:lnRef>
+          <a:fillRef idx="0">
+            <a:schemeClr val="accent1"/>
+          </a:fillRef>
+          <a:effectRef idx="0">
+            <a:schemeClr val="accent1"/>
+          </a:effectRef>
+          <a:fontRef idx="minor">
+            <a:schemeClr val="tx1"/>
+          </a:fontRef>
+        </p:style>
+      </p:cxnSp>
+      <p:cxnSp>
+        <p:nvCxnSpPr>
+          <p:cNvPr id="9" name="직선 화살표 연결선 8">
+            <a:extLst>
+              <a:ext uri="{FF2B5EF4-FFF2-40B4-BE49-F238E27FC236}">
+                <a16:creationId xmlns:a16="http://schemas.microsoft.com/office/drawing/2014/main" id="{1773B0FA-E929-95E6-EE7D-D5561EC60F1F}"/>
+              </a:ext>
+            </a:extLst>
+          </p:cNvPr>
+          <p:cNvCxnSpPr>
+            <a:cxnSpLocks/>
+            <a:stCxn id="5" idx="3"/>
+            <a:endCxn id="6" idx="1"/>
+          </p:cNvCxnSpPr>
+          <p:nvPr/>
+        </p:nvCxnSpPr>
+        <p:spPr>
+          <a:xfrm>
+            <a:off x="4855915" y="3686811"/>
+            <a:ext cx="1312615" cy="566"/>
+          </a:xfrm>
+          <a:prstGeom prst="straightConnector1">
+            <a:avLst/>
+          </a:prstGeom>
+          <a:ln w="57150">
+            <a:headEnd type="oval" w="med" len="med"/>
+            <a:tailEnd type="triangle" w="med" len="med"/>
+          </a:ln>
+        </p:spPr>
+        <p:style>
+          <a:lnRef idx="1">
+            <a:schemeClr val="accent1"/>
+          </a:lnRef>
+          <a:fillRef idx="0">
+            <a:schemeClr val="accent1"/>
+          </a:fillRef>
+          <a:effectRef idx="0">
+            <a:schemeClr val="accent1"/>
+          </a:effectRef>
+          <a:fontRef idx="minor">
+            <a:schemeClr val="tx1"/>
+          </a:fontRef>
+        </p:style>
+      </p:cxnSp>
+      <p:cxnSp>
+        <p:nvCxnSpPr>
+          <p:cNvPr id="17" name="연결선: 꺾임 16">
+            <a:extLst>
+              <a:ext uri="{FF2B5EF4-FFF2-40B4-BE49-F238E27FC236}">
+                <a16:creationId xmlns:a16="http://schemas.microsoft.com/office/drawing/2014/main" id="{AC55059C-EEC0-2F80-D10C-D826A7E523E8}"/>
+              </a:ext>
+            </a:extLst>
+          </p:cNvPr>
+          <p:cNvCxnSpPr>
+            <a:cxnSpLocks/>
+            <a:stCxn id="4" idx="0"/>
+            <a:endCxn id="6" idx="1"/>
+          </p:cNvCxnSpPr>
+          <p:nvPr/>
+        </p:nvCxnSpPr>
+        <p:spPr>
+          <a:xfrm rot="16200000" flipH="1">
+            <a:off x="3653577" y="1172424"/>
+            <a:ext cx="525076" cy="4504830"/>
+          </a:xfrm>
+          <a:prstGeom prst="bentConnector4">
+            <a:avLst>
+              <a:gd name="adj1" fmla="val -43537"/>
+              <a:gd name="adj2" fmla="val 82073"/>
+            </a:avLst>
+          </a:prstGeom>
+          <a:ln w="57150">
+            <a:tailEnd type="triangle"/>
+          </a:ln>
+        </p:spPr>
+        <p:style>
+          <a:lnRef idx="1">
+            <a:schemeClr val="accent1"/>
+          </a:lnRef>
+          <a:fillRef idx="0">
+            <a:schemeClr val="accent1"/>
+          </a:fillRef>
+          <a:effectRef idx="0">
+            <a:schemeClr val="accent1"/>
+          </a:effectRef>
+          <a:fontRef idx="minor">
+            <a:schemeClr val="tx1"/>
+          </a:fontRef>
+        </p:style>
+      </p:cxnSp>
+      <p:sp>
+        <p:nvSpPr>
+          <p:cNvPr id="19" name="직사각형 18">
+            <a:extLst>
+              <a:ext uri="{FF2B5EF4-FFF2-40B4-BE49-F238E27FC236}">
+                <a16:creationId xmlns:a16="http://schemas.microsoft.com/office/drawing/2014/main" id="{316A9FC9-39D1-081E-ED13-A019F662625A}"/>
+              </a:ext>
+            </a:extLst>
+          </p:cNvPr>
+          <p:cNvSpPr/>
+          <p:nvPr/>
+        </p:nvSpPr>
+        <p:spPr>
+          <a:xfrm>
+            <a:off x="8734212" y="3155951"/>
+            <a:ext cx="1253067" cy="1049020"/>
+          </a:xfrm>
+          <a:prstGeom prst="rect">
+            <a:avLst/>
+          </a:prstGeom>
+          <a:ln w="57150"/>
+        </p:spPr>
+        <p:style>
+          <a:lnRef idx="2">
+            <a:schemeClr val="accent1">
+              <a:shade val="15000"/>
+            </a:schemeClr>
+          </a:lnRef>
+          <a:fillRef idx="1">
+            <a:schemeClr val="accent1"/>
+          </a:fillRef>
+          <a:effectRef idx="0">
+            <a:schemeClr val="accent1"/>
+          </a:effectRef>
+          <a:fontRef idx="minor">
+            <a:schemeClr val="lt1"/>
+          </a:fontRef>
+        </p:style>
+        <p:txBody>
+          <a:bodyPr rtlCol="0" anchor="ctr"/>
+          <a:lstStyle/>
+          <a:p>
+            <a:pPr algn="ctr"/>
+            <a:r>
+              <a:rPr lang="en-US" altLang="ko-KR" dirty="0"/>
+              <a:t>Buff4</a:t>
+            </a:r>
+            <a:endParaRPr lang="ko-KR" altLang="en-US" dirty="0"/>
+          </a:p>
+        </p:txBody>
+      </p:sp>
+      <p:cxnSp>
+        <p:nvCxnSpPr>
+          <p:cNvPr id="20" name="직선 화살표 연결선 19">
+            <a:extLst>
+              <a:ext uri="{FF2B5EF4-FFF2-40B4-BE49-F238E27FC236}">
+                <a16:creationId xmlns:a16="http://schemas.microsoft.com/office/drawing/2014/main" id="{B08AE3BA-ED1D-5A1B-0ED4-6B120A52173B}"/>
+              </a:ext>
+            </a:extLst>
+          </p:cNvPr>
+          <p:cNvCxnSpPr>
+            <a:cxnSpLocks/>
+            <a:stCxn id="6" idx="3"/>
+            <a:endCxn id="19" idx="1"/>
+          </p:cNvCxnSpPr>
+          <p:nvPr/>
+        </p:nvCxnSpPr>
+        <p:spPr>
+          <a:xfrm flipV="1">
+            <a:off x="7421597" y="3680461"/>
+            <a:ext cx="1312615" cy="6916"/>
+          </a:xfrm>
+          <a:prstGeom prst="straightConnector1">
+            <a:avLst/>
+          </a:prstGeom>
+          <a:ln w="57150">
+            <a:headEnd type="oval" w="med" len="med"/>
+            <a:tailEnd type="triangle" w="med" len="med"/>
+          </a:ln>
+        </p:spPr>
+        <p:style>
+          <a:lnRef idx="1">
+            <a:schemeClr val="accent1"/>
+          </a:lnRef>
+          <a:fillRef idx="0">
+            <a:schemeClr val="accent1"/>
+          </a:fillRef>
+          <a:effectRef idx="0">
+            <a:schemeClr val="accent1"/>
+          </a:effectRef>
+          <a:fontRef idx="minor">
+            <a:schemeClr val="tx1"/>
+          </a:fontRef>
+        </p:style>
+      </p:cxnSp>
+      <p:cxnSp>
+        <p:nvCxnSpPr>
+          <p:cNvPr id="21" name="연결선: 꺾임 20">
+            <a:extLst>
+              <a:ext uri="{FF2B5EF4-FFF2-40B4-BE49-F238E27FC236}">
+                <a16:creationId xmlns:a16="http://schemas.microsoft.com/office/drawing/2014/main" id="{51D924E4-BCE9-CF6A-CE07-CC10FEE9B1A1}"/>
+              </a:ext>
+            </a:extLst>
+          </p:cNvPr>
+          <p:cNvCxnSpPr>
+            <a:cxnSpLocks/>
+            <a:stCxn id="5" idx="2"/>
+            <a:endCxn id="19" idx="1"/>
+          </p:cNvCxnSpPr>
+          <p:nvPr/>
+        </p:nvCxnSpPr>
+        <p:spPr>
+          <a:xfrm rot="5400000" flipH="1" flipV="1">
+            <a:off x="6216367" y="1693476"/>
+            <a:ext cx="530860" cy="4504830"/>
+          </a:xfrm>
+          <a:prstGeom prst="bentConnector4">
+            <a:avLst>
+              <a:gd name="adj1" fmla="val -131340"/>
+              <a:gd name="adj2" fmla="val 82580"/>
+            </a:avLst>
+          </a:prstGeom>
+          <a:ln w="57150">
+            <a:tailEnd type="triangle"/>
+          </a:ln>
+        </p:spPr>
+        <p:style>
+          <a:lnRef idx="1">
+            <a:schemeClr val="accent1"/>
+          </a:lnRef>
+          <a:fillRef idx="0">
+            <a:schemeClr val="accent1"/>
+          </a:fillRef>
+          <a:effectRef idx="0">
+            <a:schemeClr val="accent1"/>
+          </a:effectRef>
+          <a:fontRef idx="minor">
+            <a:schemeClr val="tx1"/>
+          </a:fontRef>
+        </p:style>
+      </p:cxnSp>
+      <p:cxnSp>
+        <p:nvCxnSpPr>
+          <p:cNvPr id="3" name="연결선: 꺾임 2">
+            <a:extLst>
+              <a:ext uri="{FF2B5EF4-FFF2-40B4-BE49-F238E27FC236}">
+                <a16:creationId xmlns:a16="http://schemas.microsoft.com/office/drawing/2014/main" id="{767702DB-9BA3-CBAA-38E9-843E15A04E4D}"/>
+              </a:ext>
+            </a:extLst>
+          </p:cNvPr>
+          <p:cNvCxnSpPr>
+            <a:cxnSpLocks/>
+            <a:stCxn id="4" idx="0"/>
+            <a:endCxn id="19" idx="1"/>
+          </p:cNvCxnSpPr>
+          <p:nvPr/>
+        </p:nvCxnSpPr>
+        <p:spPr>
+          <a:xfrm rot="16200000" flipH="1">
+            <a:off x="4939876" y="-113875"/>
+            <a:ext cx="518160" cy="7070512"/>
+          </a:xfrm>
+          <a:prstGeom prst="bentConnector4">
+            <a:avLst>
+              <a:gd name="adj1" fmla="val -167647"/>
+              <a:gd name="adj2" fmla="val 88864"/>
+            </a:avLst>
+          </a:prstGeom>
+          <a:ln w="57150">
+            <a:tailEnd type="triangle"/>
+          </a:ln>
+        </p:spPr>
+        <p:style>
+          <a:lnRef idx="1">
+            <a:schemeClr val="accent1"/>
+          </a:lnRef>
+          <a:fillRef idx="0">
+            <a:schemeClr val="accent1"/>
+          </a:fillRef>
+          <a:effectRef idx="0">
+            <a:schemeClr val="accent1"/>
+          </a:effectRef>
+          <a:fontRef idx="minor">
+            <a:schemeClr val="tx1"/>
+          </a:fontRef>
+        </p:style>
+      </p:cxnSp>
+    </p:spTree>
+    <p:extLst>
+      <p:ext uri="{BB962C8B-B14F-4D97-AF65-F5344CB8AC3E}">
+        <p14:creationId xmlns:p14="http://schemas.microsoft.com/office/powerpoint/2010/main" val="1223543432"/>
       </p:ext>
     </p:extLst>
   </p:cSld>
